--- a/fall2016/lectures/6-PublicKey.pptx
+++ b/fall2016/lectures/6-PublicKey.pptx
@@ -5,7 +5,7 @@
     <p:sldMasterId id="2147483648" r:id="rId1"/>
   </p:sldMasterIdLst>
   <p:notesMasterIdLst>
-    <p:notesMasterId r:id="rId57"/>
+    <p:notesMasterId r:id="rId56"/>
   </p:notesMasterIdLst>
   <p:sldIdLst>
     <p:sldId id="301" r:id="rId2"/>
@@ -23,46 +23,45 @@
     <p:sldId id="350" r:id="rId14"/>
     <p:sldId id="365" r:id="rId15"/>
     <p:sldId id="366" r:id="rId16"/>
-    <p:sldId id="368" r:id="rId17"/>
-    <p:sldId id="367" r:id="rId18"/>
-    <p:sldId id="352" r:id="rId19"/>
-    <p:sldId id="303" r:id="rId20"/>
-    <p:sldId id="307" r:id="rId21"/>
-    <p:sldId id="308" r:id="rId22"/>
-    <p:sldId id="309" r:id="rId23"/>
-    <p:sldId id="310" r:id="rId24"/>
-    <p:sldId id="312" r:id="rId25"/>
-    <p:sldId id="313" r:id="rId26"/>
-    <p:sldId id="330" r:id="rId27"/>
-    <p:sldId id="314" r:id="rId28"/>
-    <p:sldId id="364" r:id="rId29"/>
-    <p:sldId id="315" r:id="rId30"/>
-    <p:sldId id="316" r:id="rId31"/>
-    <p:sldId id="317" r:id="rId32"/>
-    <p:sldId id="318" r:id="rId33"/>
-    <p:sldId id="319" r:id="rId34"/>
-    <p:sldId id="320" r:id="rId35"/>
-    <p:sldId id="321" r:id="rId36"/>
-    <p:sldId id="322" r:id="rId37"/>
-    <p:sldId id="324" r:id="rId38"/>
-    <p:sldId id="326" r:id="rId39"/>
-    <p:sldId id="327" r:id="rId40"/>
-    <p:sldId id="356" r:id="rId41"/>
-    <p:sldId id="333" r:id="rId42"/>
-    <p:sldId id="331" r:id="rId43"/>
-    <p:sldId id="335" r:id="rId44"/>
-    <p:sldId id="285" r:id="rId45"/>
-    <p:sldId id="357" r:id="rId46"/>
-    <p:sldId id="360" r:id="rId47"/>
-    <p:sldId id="361" r:id="rId48"/>
-    <p:sldId id="362" r:id="rId49"/>
-    <p:sldId id="363" r:id="rId50"/>
-    <p:sldId id="358" r:id="rId51"/>
-    <p:sldId id="359" r:id="rId52"/>
-    <p:sldId id="337" r:id="rId53"/>
-    <p:sldId id="340" r:id="rId54"/>
-    <p:sldId id="341" r:id="rId55"/>
-    <p:sldId id="342" r:id="rId56"/>
+    <p:sldId id="367" r:id="rId17"/>
+    <p:sldId id="352" r:id="rId18"/>
+    <p:sldId id="303" r:id="rId19"/>
+    <p:sldId id="307" r:id="rId20"/>
+    <p:sldId id="308" r:id="rId21"/>
+    <p:sldId id="309" r:id="rId22"/>
+    <p:sldId id="310" r:id="rId23"/>
+    <p:sldId id="312" r:id="rId24"/>
+    <p:sldId id="313" r:id="rId25"/>
+    <p:sldId id="330" r:id="rId26"/>
+    <p:sldId id="314" r:id="rId27"/>
+    <p:sldId id="364" r:id="rId28"/>
+    <p:sldId id="315" r:id="rId29"/>
+    <p:sldId id="316" r:id="rId30"/>
+    <p:sldId id="317" r:id="rId31"/>
+    <p:sldId id="318" r:id="rId32"/>
+    <p:sldId id="319" r:id="rId33"/>
+    <p:sldId id="320" r:id="rId34"/>
+    <p:sldId id="321" r:id="rId35"/>
+    <p:sldId id="322" r:id="rId36"/>
+    <p:sldId id="324" r:id="rId37"/>
+    <p:sldId id="326" r:id="rId38"/>
+    <p:sldId id="327" r:id="rId39"/>
+    <p:sldId id="356" r:id="rId40"/>
+    <p:sldId id="333" r:id="rId41"/>
+    <p:sldId id="331" r:id="rId42"/>
+    <p:sldId id="335" r:id="rId43"/>
+    <p:sldId id="285" r:id="rId44"/>
+    <p:sldId id="357" r:id="rId45"/>
+    <p:sldId id="360" r:id="rId46"/>
+    <p:sldId id="361" r:id="rId47"/>
+    <p:sldId id="362" r:id="rId48"/>
+    <p:sldId id="363" r:id="rId49"/>
+    <p:sldId id="358" r:id="rId50"/>
+    <p:sldId id="359" r:id="rId51"/>
+    <p:sldId id="337" r:id="rId52"/>
+    <p:sldId id="340" r:id="rId53"/>
+    <p:sldId id="341" r:id="rId54"/>
+    <p:sldId id="342" r:id="rId55"/>
   </p:sldIdLst>
   <p:sldSz cx="9144000" cy="5143500" type="screen16x9"/>
   <p:notesSz cx="6858000" cy="9144000"/>
@@ -823,7 +822,7 @@
             <a:fld id="{94566334-40D3-444A-87CD-672C33ED3DCC}" type="slidenum">
               <a:rPr lang="en-US" smtClean="0"/>
               <a:pPr/>
-              <a:t>19</a:t>
+              <a:t>18</a:t>
             </a:fld>
             <a:endParaRPr lang="en-US"/>
           </a:p>
@@ -908,7 +907,7 @@
             <a:fld id="{94566334-40D3-444A-87CD-672C33ED3DCC}" type="slidenum">
               <a:rPr lang="en-US" smtClean="0"/>
               <a:pPr/>
-              <a:t>20</a:t>
+              <a:t>19</a:t>
             </a:fld>
             <a:endParaRPr lang="en-US"/>
           </a:p>
@@ -1020,7 +1019,7 @@
             <a:fld id="{94566334-40D3-444A-87CD-672C33ED3DCC}" type="slidenum">
               <a:rPr lang="en-US" smtClean="0"/>
               <a:pPr/>
-              <a:t>21</a:t>
+              <a:t>20</a:t>
             </a:fld>
             <a:endParaRPr lang="en-US"/>
           </a:p>
@@ -1120,7 +1119,7 @@
             <a:fld id="{94566334-40D3-444A-87CD-672C33ED3DCC}" type="slidenum">
               <a:rPr lang="en-US" smtClean="0"/>
               <a:pPr/>
-              <a:t>22</a:t>
+              <a:t>21</a:t>
             </a:fld>
             <a:endParaRPr lang="en-US"/>
           </a:p>
@@ -1210,7 +1209,7 @@
             <a:fld id="{94566334-40D3-444A-87CD-672C33ED3DCC}" type="slidenum">
               <a:rPr lang="en-US" smtClean="0"/>
               <a:pPr/>
-              <a:t>23</a:t>
+              <a:t>22</a:t>
             </a:fld>
             <a:endParaRPr lang="en-US"/>
           </a:p>
@@ -1347,7 +1346,7 @@
             <a:fld id="{94566334-40D3-444A-87CD-672C33ED3DCC}" type="slidenum">
               <a:rPr lang="en-US" smtClean="0"/>
               <a:pPr/>
-              <a:t>24</a:t>
+              <a:t>23</a:t>
             </a:fld>
             <a:endParaRPr lang="en-US"/>
           </a:p>
@@ -1470,7 +1469,7 @@
             <a:fld id="{94566334-40D3-444A-87CD-672C33ED3DCC}" type="slidenum">
               <a:rPr lang="en-US" smtClean="0"/>
               <a:pPr/>
-              <a:t>25</a:t>
+              <a:t>24</a:t>
             </a:fld>
             <a:endParaRPr lang="en-US"/>
           </a:p>
@@ -1566,7 +1565,7 @@
             <a:fld id="{80EF120E-EEF2-4965-96F5-DE3864F37C1E}" type="slidenum">
               <a:rPr lang="en-US" smtClean="0"/>
               <a:pPr/>
-              <a:t>26</a:t>
+              <a:t>25</a:t>
             </a:fld>
             <a:endParaRPr lang="en-US" dirty="0"/>
           </a:p>
@@ -1651,7 +1650,7 @@
             <a:fld id="{94566334-40D3-444A-87CD-672C33ED3DCC}" type="slidenum">
               <a:rPr lang="en-US" smtClean="0"/>
               <a:pPr/>
-              <a:t>27</a:t>
+              <a:t>26</a:t>
             </a:fld>
             <a:endParaRPr lang="en-US"/>
           </a:p>
@@ -1764,7 +1763,7 @@
             <a:fld id="{94566334-40D3-444A-87CD-672C33ED3DCC}" type="slidenum">
               <a:rPr lang="en-US" smtClean="0"/>
               <a:pPr/>
-              <a:t>29</a:t>
+              <a:t>28</a:t>
             </a:fld>
             <a:endParaRPr lang="en-US"/>
           </a:p>
@@ -1944,7 +1943,7 @@
             <a:fld id="{94566334-40D3-444A-87CD-672C33ED3DCC}" type="slidenum">
               <a:rPr lang="en-US" smtClean="0"/>
               <a:pPr/>
-              <a:t>30</a:t>
+              <a:t>29</a:t>
             </a:fld>
             <a:endParaRPr lang="en-US"/>
           </a:p>
@@ -2083,7 +2082,7 @@
             <a:fld id="{94566334-40D3-444A-87CD-672C33ED3DCC}" type="slidenum">
               <a:rPr lang="en-US" smtClean="0"/>
               <a:pPr/>
-              <a:t>31</a:t>
+              <a:t>30</a:t>
             </a:fld>
             <a:endParaRPr lang="en-US"/>
           </a:p>
@@ -2314,7 +2313,7 @@
               <a:buNone/>
             </a:pPr>
             <a:r>
-              <a:rPr lang="en-US" b="1" baseline="0" smtClean="0"/>
+              <a:rPr lang="en-US" b="1" baseline="0" dirty="0" smtClean="0"/>
               <a:t>But </a:t>
             </a:r>
             <a:r>
@@ -2359,7 +2358,7 @@
             <a:fld id="{94566334-40D3-444A-87CD-672C33ED3DCC}" type="slidenum">
               <a:rPr lang="en-US" smtClean="0"/>
               <a:pPr/>
-              <a:t>32</a:t>
+              <a:t>31</a:t>
             </a:fld>
             <a:endParaRPr lang="en-US"/>
           </a:p>
@@ -2507,7 +2506,7 @@
             <a:fld id="{94566334-40D3-444A-87CD-672C33ED3DCC}" type="slidenum">
               <a:rPr lang="en-US" smtClean="0"/>
               <a:pPr/>
-              <a:t>33</a:t>
+              <a:t>32</a:t>
             </a:fld>
             <a:endParaRPr lang="en-US"/>
           </a:p>
@@ -2597,7 +2596,7 @@
             <a:fld id="{94566334-40D3-444A-87CD-672C33ED3DCC}" type="slidenum">
               <a:rPr lang="en-US" smtClean="0"/>
               <a:pPr/>
-              <a:t>34</a:t>
+              <a:t>33</a:t>
             </a:fld>
             <a:endParaRPr lang="en-US"/>
           </a:p>
@@ -2790,7 +2789,7 @@
             <a:fld id="{94566334-40D3-444A-87CD-672C33ED3DCC}" type="slidenum">
               <a:rPr lang="en-US" smtClean="0"/>
               <a:pPr/>
-              <a:t>35</a:t>
+              <a:t>34</a:t>
             </a:fld>
             <a:endParaRPr lang="en-US"/>
           </a:p>
@@ -2902,7 +2901,7 @@
             <a:fld id="{94566334-40D3-444A-87CD-672C33ED3DCC}" type="slidenum">
               <a:rPr lang="en-US" smtClean="0"/>
               <a:pPr/>
-              <a:t>36</a:t>
+              <a:t>35</a:t>
             </a:fld>
             <a:endParaRPr lang="en-US"/>
           </a:p>
@@ -3029,7 +3028,7 @@
             <a:fld id="{94566334-40D3-444A-87CD-672C33ED3DCC}" type="slidenum">
               <a:rPr lang="en-US" smtClean="0"/>
               <a:pPr/>
-              <a:t>37</a:t>
+              <a:t>36</a:t>
             </a:fld>
             <a:endParaRPr lang="en-US"/>
           </a:p>
@@ -3172,7 +3171,7 @@
             <a:fld id="{94566334-40D3-444A-87CD-672C33ED3DCC}" type="slidenum">
               <a:rPr lang="en-US" smtClean="0"/>
               <a:pPr/>
-              <a:t>38</a:t>
+              <a:t>37</a:t>
             </a:fld>
             <a:endParaRPr lang="en-US"/>
           </a:p>
@@ -3262,7 +3261,7 @@
             <a:fld id="{94566334-40D3-444A-87CD-672C33ED3DCC}" type="slidenum">
               <a:rPr lang="en-US" smtClean="0"/>
               <a:pPr/>
-              <a:t>39</a:t>
+              <a:t>38</a:t>
             </a:fld>
             <a:endParaRPr lang="en-US"/>
           </a:p>
@@ -3531,7 +3530,7 @@
             <a:fld id="{94566334-40D3-444A-87CD-672C33ED3DCC}" type="slidenum">
               <a:rPr lang="en-US" smtClean="0"/>
               <a:pPr/>
-              <a:t>40</a:t>
+              <a:t>39</a:t>
             </a:fld>
             <a:endParaRPr lang="en-US"/>
           </a:p>
@@ -3675,7 +3674,7 @@
           <a:p>
             <a:fld id="{E708794E-25A8-F045-8CD4-631AF115885F}" type="slidenum">
               <a:rPr lang="en-US" smtClean="0"/>
-              <a:t>41</a:t>
+              <a:t>40</a:t>
             </a:fld>
             <a:endParaRPr lang="en-US"/>
           </a:p>
@@ -3893,7 +3892,7 @@
             <a:fld id="{94566334-40D3-444A-87CD-672C33ED3DCC}" type="slidenum">
               <a:rPr lang="en-US" smtClean="0"/>
               <a:pPr/>
-              <a:t>42</a:t>
+              <a:t>41</a:t>
             </a:fld>
             <a:endParaRPr lang="en-US"/>
           </a:p>
@@ -4075,7 +4074,7 @@
             <a:fld id="{80EF120E-EEF2-4965-96F5-DE3864F37C1E}" type="slidenum">
               <a:rPr lang="en-US" smtClean="0"/>
               <a:pPr/>
-              <a:t>43</a:t>
+              <a:t>42</a:t>
             </a:fld>
             <a:endParaRPr lang="en-US" dirty="0"/>
           </a:p>
@@ -4162,7 +4161,7 @@
             <a:fld id="{80EF120E-EEF2-4965-96F5-DE3864F37C1E}" type="slidenum">
               <a:rPr lang="en-US" smtClean="0"/>
               <a:pPr/>
-              <a:t>44</a:t>
+              <a:t>43</a:t>
             </a:fld>
             <a:endParaRPr lang="en-US"/>
           </a:p>
@@ -4255,7 +4254,7 @@
             <a:fld id="{94566334-40D3-444A-87CD-672C33ED3DCC}" type="slidenum">
               <a:rPr lang="en-US" smtClean="0"/>
               <a:pPr/>
-              <a:t>45</a:t>
+              <a:t>44</a:t>
             </a:fld>
             <a:endParaRPr lang="en-US"/>
           </a:p>
@@ -4390,7 +4389,7 @@
             <a:fld id="{94566334-40D3-444A-87CD-672C33ED3DCC}" type="slidenum">
               <a:rPr lang="en-US" smtClean="0"/>
               <a:pPr/>
-              <a:t>46</a:t>
+              <a:t>45</a:t>
             </a:fld>
             <a:endParaRPr lang="en-US"/>
           </a:p>
@@ -4483,7 +4482,7 @@
             <a:fld id="{94566334-40D3-444A-87CD-672C33ED3DCC}" type="slidenum">
               <a:rPr lang="en-US" smtClean="0"/>
               <a:pPr/>
-              <a:t>47</a:t>
+              <a:t>46</a:t>
             </a:fld>
             <a:endParaRPr lang="en-US"/>
           </a:p>
@@ -4575,7 +4574,7 @@
             <a:fld id="{80EF120E-EEF2-4965-96F5-DE3864F37C1E}" type="slidenum">
               <a:rPr lang="en-US" smtClean="0"/>
               <a:pPr/>
-              <a:t>48</a:t>
+              <a:t>47</a:t>
             </a:fld>
             <a:endParaRPr lang="en-US" dirty="0"/>
           </a:p>
@@ -4662,7 +4661,7 @@
             <a:fld id="{80EF120E-EEF2-4965-96F5-DE3864F37C1E}" type="slidenum">
               <a:rPr lang="en-US" smtClean="0"/>
               <a:pPr/>
-              <a:t>50</a:t>
+              <a:t>49</a:t>
             </a:fld>
             <a:endParaRPr lang="en-US" dirty="0"/>
           </a:p>
@@ -4936,7 +4935,7 @@
             <a:fld id="{80EF120E-EEF2-4965-96F5-DE3864F37C1E}" type="slidenum">
               <a:rPr lang="en-US" smtClean="0"/>
               <a:pPr/>
-              <a:t>51</a:t>
+              <a:t>50</a:t>
             </a:fld>
             <a:endParaRPr lang="en-US" dirty="0"/>
           </a:p>
@@ -5023,7 +5022,7 @@
             <a:fld id="{80EF120E-EEF2-4965-96F5-DE3864F37C1E}" type="slidenum">
               <a:rPr lang="en-US" smtClean="0"/>
               <a:pPr/>
-              <a:t>52</a:t>
+              <a:t>51</a:t>
             </a:fld>
             <a:endParaRPr lang="en-US" dirty="0"/>
           </a:p>
@@ -5579,7 +5578,7 @@
             <a:fld id="{80EF120E-EEF2-4965-96F5-DE3864F37C1E}" type="slidenum">
               <a:rPr lang="en-US" smtClean="0"/>
               <a:pPr/>
-              <a:t>17</a:t>
+              <a:t>16</a:t>
             </a:fld>
             <a:endParaRPr lang="en-US" dirty="0"/>
           </a:p>
@@ -12410,6 +12409,13 @@
   <p:clrMapOvr>
     <a:masterClrMapping/>
   </p:clrMapOvr>
+  <p:timing>
+    <p:tnLst>
+      <p:par>
+        <p:cTn xmlns:p14="http://schemas.microsoft.com/office/powerpoint/2010/main" id="1" dur="indefinite" restart="never" nodeType="tmRoot"/>
+      </p:par>
+    </p:tnLst>
+  </p:timing>
 </p:sld>
 </file>
 
@@ -12528,6 +12534,13 @@
       <p:transition xmlns:p14="http://schemas.microsoft.com/office/powerpoint/2010/main" spd="slow"/>
     </mc:Fallback>
   </mc:AlternateContent>
+  <p:timing>
+    <p:tnLst>
+      <p:par>
+        <p:cTn xmlns:p14="http://schemas.microsoft.com/office/powerpoint/2010/main" id="1" dur="indefinite" restart="never" nodeType="tmRoot"/>
+      </p:par>
+    </p:tnLst>
+  </p:timing>
 </p:sld>
 </file>
 
@@ -12582,6 +12595,13 @@
   <p:clrMapOvr>
     <a:masterClrMapping/>
   </p:clrMapOvr>
+  <p:timing>
+    <p:tnLst>
+      <p:par>
+        <p:cTn xmlns:p14="http://schemas.microsoft.com/office/powerpoint/2010/main" id="1" dur="indefinite" restart="never" nodeType="tmRoot"/>
+      </p:par>
+    </p:tnLst>
+  </p:timing>
 </p:sld>
 </file>
 
@@ -13135,40 +13155,127 @@
           <a:chExt cx="0" cy="0"/>
         </a:xfrm>
       </p:grpSpPr>
-      <p:pic>
-        <p:nvPicPr>
-          <p:cNvPr id="3" name="Picture 2"/>
-          <p:cNvPicPr>
-            <a:picLocks noChangeAspect="1"/>
-          </p:cNvPicPr>
-          <p:nvPr/>
-        </p:nvPicPr>
-        <p:blipFill>
-          <a:blip r:embed="rId2"/>
-          <a:stretch>
-            <a:fillRect/>
-          </a:stretch>
-        </p:blipFill>
-        <p:spPr>
-          <a:xfrm>
-            <a:off x="673100" y="520700"/>
-            <a:ext cx="7785100" cy="4089400"/>
-          </a:xfrm>
-          <a:prstGeom prst="rect">
-            <a:avLst/>
-          </a:prstGeom>
-        </p:spPr>
-      </p:pic>
+      <p:sp>
+        <p:nvSpPr>
+          <p:cNvPr id="2" name="Content Placeholder 1"/>
+          <p:cNvSpPr>
+            <a:spLocks noGrp="1"/>
+          </p:cNvSpPr>
+          <p:nvPr>
+            <p:ph idx="1"/>
+          </p:nvPr>
+        </p:nvSpPr>
+        <p:spPr/>
+        <p:txBody>
+          <a:bodyPr>
+            <a:normAutofit fontScale="77500" lnSpcReduction="20000"/>
+          </a:bodyPr>
+          <a:lstStyle/>
+          <a:p>
+            <a:pPr algn="ctr"/>
+            <a:r>
+              <a:rPr lang="en-US" sz="4200" b="1" dirty="0" smtClean="0"/>
+              <a:t>Building a Secure Channel</a:t>
+            </a:r>
+            <a:endParaRPr lang="en-US" sz="4200" b="1" dirty="0" smtClean="0">
+              <a:solidFill>
+                <a:schemeClr val="accent1"/>
+              </a:solidFill>
+            </a:endParaRPr>
+          </a:p>
+          <a:p>
+            <a:r>
+              <a:rPr lang="en-US" sz="2800" dirty="0" smtClean="0"/>
+              <a:t>What if you want confidentiality and integrity at the same time?</a:t>
+            </a:r>
+          </a:p>
+          <a:p>
+            <a:pPr>
+              <a:spcBef>
+                <a:spcPts val="1800"/>
+              </a:spcBef>
+            </a:pPr>
+            <a:r>
+              <a:rPr lang="en-US" sz="2800" b="1" dirty="0" smtClean="0"/>
+              <a:t>Encrypt, then add integrity</a:t>
+            </a:r>
+            <a:r>
+              <a:rPr lang="en-US" sz="2800" dirty="0" smtClean="0"/>
+              <a:t>, not the other way around. </a:t>
+            </a:r>
+            <a:br>
+              <a:rPr lang="en-US" sz="2800" dirty="0" smtClean="0"/>
+            </a:br>
+            <a:r>
+              <a:rPr lang="en-US" sz="2800" dirty="0" smtClean="0"/>
+              <a:t>(some reasons are subtle)</a:t>
+            </a:r>
+          </a:p>
+          <a:p>
+            <a:pPr>
+              <a:spcBef>
+                <a:spcPts val="1800"/>
+              </a:spcBef>
+            </a:pPr>
+            <a:r>
+              <a:rPr lang="en-US" sz="2800" b="1" dirty="0" smtClean="0"/>
+              <a:t>Use separate keys</a:t>
+            </a:r>
+            <a:r>
+              <a:rPr lang="en-US" sz="2800" dirty="0" smtClean="0"/>
+              <a:t> for confidentiality and integrity.</a:t>
+            </a:r>
+          </a:p>
+          <a:p>
+            <a:pPr lvl="1">
+              <a:spcBef>
+                <a:spcPts val="1800"/>
+              </a:spcBef>
+              <a:buNone/>
+            </a:pPr>
+            <a:r>
+              <a:rPr lang="en-US" sz="2600" dirty="0" smtClean="0"/>
+              <a:t>Need two shared keys, but only have one? </a:t>
+            </a:r>
+            <a:br>
+              <a:rPr lang="en-US" sz="2600" dirty="0" smtClean="0"/>
+            </a:br>
+            <a:r>
+              <a:rPr lang="en-US" sz="2600" dirty="0" smtClean="0"/>
+              <a:t>That’s what PRGs are for!  </a:t>
+            </a:r>
+          </a:p>
+          <a:p>
+            <a:pPr lvl="1">
+              <a:spcBef>
+                <a:spcPts val="1800"/>
+              </a:spcBef>
+              <a:buNone/>
+            </a:pPr>
+            <a:r>
+              <a:rPr lang="en-US" sz="2600" dirty="0" smtClean="0"/>
+              <a:t>If there’s a reverse (Bob to Alice) channel, use separate keys for that too</a:t>
+            </a:r>
+          </a:p>
+        </p:txBody>
+      </p:sp>
     </p:spTree>
     <p:extLst>
       <p:ext uri="{BB962C8B-B14F-4D97-AF65-F5344CB8AC3E}">
-        <p14:creationId xmlns:p14="http://schemas.microsoft.com/office/powerpoint/2010/main" val="327093816"/>
+        <p14:creationId xmlns:p14="http://schemas.microsoft.com/office/powerpoint/2010/main" val="3237792939"/>
       </p:ext>
     </p:extLst>
   </p:cSld>
   <p:clrMapOvr>
     <a:masterClrMapping/>
   </p:clrMapOvr>
+  <p:timing>
+    <p:tnLst>
+      <p:par>
+        <p:cTn xmlns:p14="http://schemas.microsoft.com/office/powerpoint/2010/main" id="1" dur="indefinite" restart="never" nodeType="tmRoot"/>
+      </p:par>
+    </p:tnLst>
+  </p:timing>
 </p:sld>
 </file>
 
@@ -13191,7 +13298,36 @@
       </p:grpSpPr>
       <p:sp>
         <p:nvSpPr>
-          <p:cNvPr id="2" name="Content Placeholder 1"/>
+          <p:cNvPr id="3" name="Title 2"/>
+          <p:cNvSpPr>
+            <a:spLocks noGrp="1"/>
+          </p:cNvSpPr>
+          <p:nvPr>
+            <p:ph type="title"/>
+          </p:nvPr>
+        </p:nvSpPr>
+        <p:spPr/>
+        <p:txBody>
+          <a:bodyPr>
+            <a:normAutofit/>
+          </a:bodyPr>
+          <a:lstStyle/>
+          <a:p>
+            <a:r>
+              <a:rPr lang="en-US" dirty="0" smtClean="0"/>
+              <a:t>What Public Key Crypto Is </a:t>
+            </a:r>
+            <a:r>
+              <a:rPr lang="en-US" b="1" dirty="0" smtClean="0"/>
+              <a:t>Not</a:t>
+            </a:r>
+            <a:endParaRPr lang="en-US" b="1" dirty="0"/>
+          </a:p>
+        </p:txBody>
+      </p:sp>
+      <p:sp>
+        <p:nvSpPr>
+          <p:cNvPr id="4" name="Content Placeholder 3"/>
           <p:cNvSpPr>
             <a:spLocks noGrp="1"/>
           </p:cNvSpPr>
@@ -13202,101 +13338,62 @@
         <p:spPr/>
         <p:txBody>
           <a:bodyPr>
-            <a:normAutofit fontScale="77500" lnSpcReduction="20000"/>
+            <a:normAutofit fontScale="92500" lnSpcReduction="20000"/>
           </a:bodyPr>
           <a:lstStyle/>
           <a:p>
-            <a:pPr algn="ctr"/>
-            <a:r>
-              <a:rPr lang="en-US" sz="4200" b="1" dirty="0" smtClean="0"/>
-              <a:t>Building a Secure Channel</a:t>
-            </a:r>
-            <a:endParaRPr lang="en-US" sz="4200" b="1" dirty="0" smtClean="0">
-              <a:solidFill>
-                <a:schemeClr val="accent1"/>
-              </a:solidFill>
-            </a:endParaRPr>
-          </a:p>
-          <a:p>
-            <a:r>
-              <a:rPr lang="en-US" sz="2800" dirty="0" smtClean="0"/>
-              <a:t>What if you want confidentiality and integrity at the same time?</a:t>
-            </a:r>
-          </a:p>
-          <a:p>
-            <a:pPr>
-              <a:spcBef>
-                <a:spcPts val="1800"/>
-              </a:spcBef>
-            </a:pPr>
-            <a:r>
-              <a:rPr lang="en-US" sz="2800" b="1" dirty="0" smtClean="0"/>
-              <a:t>Encrypt, then add integrity</a:t>
-            </a:r>
-            <a:r>
-              <a:rPr lang="en-US" sz="2800" dirty="0" smtClean="0"/>
-              <a:t>, not the other way around. </a:t>
+            <a:r>
+              <a:rPr lang="en-US" dirty="0" smtClean="0"/>
+              <a:t>More secure than symmetric encryption</a:t>
+            </a:r>
+          </a:p>
+          <a:p>
+            <a:pPr lvl="1"/>
+            <a:r>
+              <a:rPr lang="en-US" dirty="0" smtClean="0"/>
+              <a:t>Security depends on key length and computational work, not type of cipher</a:t>
+            </a:r>
+          </a:p>
+          <a:p>
+            <a:r>
+              <a:rPr lang="en-US" dirty="0" smtClean="0"/>
+              <a:t>Replacement for symmetric key encryption</a:t>
+            </a:r>
+          </a:p>
+          <a:p>
+            <a:pPr lvl="1"/>
+            <a:r>
+              <a:rPr lang="en-US" dirty="0" smtClean="0"/>
+              <a:t>Asymmetric crypto still very expensive</a:t>
+            </a:r>
+          </a:p>
+          <a:p>
+            <a:r>
+              <a:rPr lang="en-US" dirty="0" smtClean="0"/>
+              <a:t>Replacement for key distribution</a:t>
+            </a:r>
+          </a:p>
+          <a:p>
+            <a:pPr lvl="1"/>
+            <a:r>
+              <a:rPr lang="en-US" dirty="0" smtClean="0"/>
+              <a:t>Still need infrastructure for key management </a:t>
             </a:r>
             <a:br>
-              <a:rPr lang="en-US" sz="2800" dirty="0" smtClean="0"/>
+              <a:rPr lang="en-US" dirty="0" smtClean="0"/>
             </a:br>
             <a:r>
-              <a:rPr lang="en-US" sz="2800" dirty="0" smtClean="0"/>
-              <a:t>(some reasons are subtle)</a:t>
-            </a:r>
-          </a:p>
-          <a:p>
-            <a:pPr>
-              <a:spcBef>
-                <a:spcPts val="1800"/>
-              </a:spcBef>
-            </a:pPr>
-            <a:r>
-              <a:rPr lang="en-US" sz="2800" b="1" dirty="0" smtClean="0"/>
-              <a:t>Use separate keys</a:t>
-            </a:r>
-            <a:r>
-              <a:rPr lang="en-US" sz="2800" dirty="0" smtClean="0"/>
-              <a:t> for confidentiality and integrity.</a:t>
-            </a:r>
-          </a:p>
-          <a:p>
-            <a:pPr lvl="1">
-              <a:spcBef>
-                <a:spcPts val="1800"/>
-              </a:spcBef>
-              <a:buNone/>
-            </a:pPr>
-            <a:r>
-              <a:rPr lang="en-US" sz="2600" dirty="0" smtClean="0"/>
-              <a:t>Need two shared keys, but only have one? </a:t>
-            </a:r>
-            <a:br>
-              <a:rPr lang="en-US" sz="2600" dirty="0" smtClean="0"/>
-            </a:br>
-            <a:r>
-              <a:rPr lang="en-US" sz="2600" dirty="0" smtClean="0"/>
-              <a:t>That’s what PRGs are for!  </a:t>
-            </a:r>
-          </a:p>
-          <a:p>
-            <a:pPr lvl="1">
-              <a:spcBef>
-                <a:spcPts val="1800"/>
-              </a:spcBef>
-              <a:buNone/>
-            </a:pPr>
-            <a:r>
-              <a:rPr lang="en-US" sz="2600" dirty="0" smtClean="0"/>
-              <a:t>If there’s a reverse (Bob to Alice) channel, use separate keys for that too</a:t>
-            </a:r>
+              <a:rPr lang="en-US" dirty="0" smtClean="0"/>
+              <a:t>(next lecture)</a:t>
+            </a:r>
+            <a:endParaRPr lang="en-US" dirty="0"/>
           </a:p>
         </p:txBody>
       </p:sp>
     </p:spTree>
     <p:extLst>
       <p:ext uri="{BB962C8B-B14F-4D97-AF65-F5344CB8AC3E}">
-        <p14:creationId xmlns:p14="http://schemas.microsoft.com/office/powerpoint/2010/main" val="3237792939"/>
+        <p14:creationId xmlns:p14="http://schemas.microsoft.com/office/powerpoint/2010/main" val="3983598086"/>
       </p:ext>
     </p:extLst>
   </p:cSld>
@@ -13314,130 +13411,6 @@
 </file>
 
 <file path=ppt/slides/slide18.xml><?xml version="1.0" encoding="utf-8"?>
-<p:sld xmlns:a="http://schemas.openxmlformats.org/drawingml/2006/main" xmlns:r="http://schemas.openxmlformats.org/officeDocument/2006/relationships" xmlns:p="http://schemas.openxmlformats.org/presentationml/2006/main">
-  <p:cSld>
-    <p:spTree>
-      <p:nvGrpSpPr>
-        <p:cNvPr id="1" name=""/>
-        <p:cNvGrpSpPr/>
-        <p:nvPr/>
-      </p:nvGrpSpPr>
-      <p:grpSpPr>
-        <a:xfrm>
-          <a:off x="0" y="0"/>
-          <a:ext cx="0" cy="0"/>
-          <a:chOff x="0" y="0"/>
-          <a:chExt cx="0" cy="0"/>
-        </a:xfrm>
-      </p:grpSpPr>
-      <p:sp>
-        <p:nvSpPr>
-          <p:cNvPr id="3" name="Title 2"/>
-          <p:cNvSpPr>
-            <a:spLocks noGrp="1"/>
-          </p:cNvSpPr>
-          <p:nvPr>
-            <p:ph type="title"/>
-          </p:nvPr>
-        </p:nvSpPr>
-        <p:spPr/>
-        <p:txBody>
-          <a:bodyPr>
-            <a:normAutofit/>
-          </a:bodyPr>
-          <a:lstStyle/>
-          <a:p>
-            <a:r>
-              <a:rPr lang="en-US" dirty="0" smtClean="0"/>
-              <a:t>What Public Key Crypto Is </a:t>
-            </a:r>
-            <a:r>
-              <a:rPr lang="en-US" b="1" dirty="0" smtClean="0"/>
-              <a:t>Not</a:t>
-            </a:r>
-            <a:endParaRPr lang="en-US" b="1" dirty="0"/>
-          </a:p>
-        </p:txBody>
-      </p:sp>
-      <p:sp>
-        <p:nvSpPr>
-          <p:cNvPr id="4" name="Content Placeholder 3"/>
-          <p:cNvSpPr>
-            <a:spLocks noGrp="1"/>
-          </p:cNvSpPr>
-          <p:nvPr>
-            <p:ph idx="1"/>
-          </p:nvPr>
-        </p:nvSpPr>
-        <p:spPr/>
-        <p:txBody>
-          <a:bodyPr>
-            <a:normAutofit fontScale="92500" lnSpcReduction="20000"/>
-          </a:bodyPr>
-          <a:lstStyle/>
-          <a:p>
-            <a:r>
-              <a:rPr lang="en-US" dirty="0" smtClean="0"/>
-              <a:t>More secure than symmetric encryption</a:t>
-            </a:r>
-          </a:p>
-          <a:p>
-            <a:pPr lvl="1"/>
-            <a:r>
-              <a:rPr lang="en-US" dirty="0" smtClean="0"/>
-              <a:t>Security depends on key length and computational work, not type of cipher</a:t>
-            </a:r>
-          </a:p>
-          <a:p>
-            <a:r>
-              <a:rPr lang="en-US" dirty="0" smtClean="0"/>
-              <a:t>Replacement for symmetric key encryption</a:t>
-            </a:r>
-          </a:p>
-          <a:p>
-            <a:pPr lvl="1"/>
-            <a:r>
-              <a:rPr lang="en-US" dirty="0" smtClean="0"/>
-              <a:t>Asymmetric crypto still very expensive</a:t>
-            </a:r>
-          </a:p>
-          <a:p>
-            <a:r>
-              <a:rPr lang="en-US" dirty="0" smtClean="0"/>
-              <a:t>Replacement for key distribution</a:t>
-            </a:r>
-          </a:p>
-          <a:p>
-            <a:pPr lvl="1"/>
-            <a:r>
-              <a:rPr lang="en-US" dirty="0" smtClean="0"/>
-              <a:t>Still need infrastructure for key management </a:t>
-            </a:r>
-            <a:br>
-              <a:rPr lang="en-US" dirty="0" smtClean="0"/>
-            </a:br>
-            <a:r>
-              <a:rPr lang="en-US" dirty="0" smtClean="0"/>
-              <a:t>(next lecture)</a:t>
-            </a:r>
-            <a:endParaRPr lang="en-US" dirty="0"/>
-          </a:p>
-        </p:txBody>
-      </p:sp>
-    </p:spTree>
-    <p:extLst>
-      <p:ext uri="{BB962C8B-B14F-4D97-AF65-F5344CB8AC3E}">
-        <p14:creationId xmlns:p14="http://schemas.microsoft.com/office/powerpoint/2010/main" val="3983598086"/>
-      </p:ext>
-    </p:extLst>
-  </p:cSld>
-  <p:clrMapOvr>
-    <a:masterClrMapping/>
-  </p:clrMapOvr>
-</p:sld>
-</file>
-
-<file path=ppt/slides/slide19.xml><?xml version="1.0" encoding="utf-8"?>
 <p:sld xmlns:a="http://schemas.openxmlformats.org/drawingml/2006/main" xmlns:r="http://schemas.openxmlformats.org/officeDocument/2006/relationships" xmlns:p="http://schemas.openxmlformats.org/presentationml/2006/main">
   <p:cSld>
     <p:spTree>
@@ -13854,6 +13827,211 @@
 </p:sld>
 </file>
 
+<file path=ppt/slides/slide19.xml><?xml version="1.0" encoding="utf-8"?>
+<p:sld xmlns:a="http://schemas.openxmlformats.org/drawingml/2006/main" xmlns:r="http://schemas.openxmlformats.org/officeDocument/2006/relationships" xmlns:p="http://schemas.openxmlformats.org/presentationml/2006/main">
+  <p:cSld>
+    <p:spTree>
+      <p:nvGrpSpPr>
+        <p:cNvPr id="1" name=""/>
+        <p:cNvGrpSpPr/>
+        <p:nvPr/>
+      </p:nvGrpSpPr>
+      <p:grpSpPr>
+        <a:xfrm>
+          <a:off x="0" y="0"/>
+          <a:ext cx="0" cy="0"/>
+          <a:chOff x="0" y="0"/>
+          <a:chExt cx="0" cy="0"/>
+        </a:xfrm>
+      </p:grpSpPr>
+      <p:sp>
+        <p:nvSpPr>
+          <p:cNvPr id="2" name="Title 1"/>
+          <p:cNvSpPr>
+            <a:spLocks noGrp="1"/>
+          </p:cNvSpPr>
+          <p:nvPr>
+            <p:ph type="title"/>
+          </p:nvPr>
+        </p:nvSpPr>
+        <p:spPr/>
+        <p:txBody>
+          <a:bodyPr/>
+          <a:lstStyle/>
+          <a:p>
+            <a:r>
+              <a:rPr lang="en-US" dirty="0" smtClean="0"/>
+              <a:t>Modular Exponentiation is Fast</a:t>
+            </a:r>
+            <a:endParaRPr lang="en-US" dirty="0"/>
+          </a:p>
+        </p:txBody>
+      </p:sp>
+      <p:sp>
+        <p:nvSpPr>
+          <p:cNvPr id="3" name="Content Placeholder 2"/>
+          <p:cNvSpPr>
+            <a:spLocks noGrp="1"/>
+          </p:cNvSpPr>
+          <p:nvPr>
+            <p:ph idx="1"/>
+          </p:nvPr>
+        </p:nvSpPr>
+        <p:spPr>
+          <a:xfrm>
+            <a:off x="457200" y="1200151"/>
+            <a:ext cx="8515350" cy="3394472"/>
+          </a:xfrm>
+        </p:spPr>
+        <p:txBody>
+          <a:bodyPr>
+            <a:normAutofit fontScale="70000" lnSpcReduction="20000"/>
+          </a:bodyPr>
+          <a:lstStyle/>
+          <a:p>
+            <a:endParaRPr lang="en-US" dirty="0" smtClean="0"/>
+          </a:p>
+          <a:p>
+            <a:pPr marL="0" indent="0">
+              <a:buNone/>
+            </a:pPr>
+            <a:r>
+              <a:rPr lang="en-US" dirty="0" smtClean="0"/>
+              <a:t>Trick: repeated squaring and multiplication</a:t>
+            </a:r>
+          </a:p>
+          <a:p>
+            <a:pPr marL="0" indent="0">
+              <a:buNone/>
+            </a:pPr>
+            <a:r>
+              <a:rPr lang="en-US" dirty="0"/>
+              <a:t>	</a:t>
+            </a:r>
+            <a:r>
+              <a:rPr lang="en-US" dirty="0" smtClean="0"/>
+              <a:t>Example: x</a:t>
+            </a:r>
+            <a:r>
+              <a:rPr lang="en-US" baseline="30000" dirty="0" smtClean="0"/>
+              <a:t>6</a:t>
+            </a:r>
+            <a:r>
+              <a:rPr lang="en-US" dirty="0" smtClean="0"/>
+              <a:t> = (x</a:t>
+            </a:r>
+            <a:r>
+              <a:rPr lang="en-US" baseline="30000" dirty="0" smtClean="0"/>
+              <a:t>2</a:t>
+            </a:r>
+            <a:r>
+              <a:rPr lang="en-US" dirty="0" smtClean="0"/>
+              <a:t>·x)</a:t>
+            </a:r>
+            <a:r>
+              <a:rPr lang="en-US" baseline="30000" dirty="0" smtClean="0"/>
+              <a:t>2</a:t>
+            </a:r>
+          </a:p>
+          <a:p>
+            <a:pPr marL="0" indent="0">
+              <a:buNone/>
+            </a:pPr>
+            <a:r>
+              <a:rPr lang="en-US" dirty="0" smtClean="0"/>
+              <a:t>	Do all arithmetic mod p so that result never gets large</a:t>
+            </a:r>
+          </a:p>
+          <a:p>
+            <a:pPr marL="0" indent="0">
+              <a:buNone/>
+            </a:pPr>
+            <a:endParaRPr lang="en-US" dirty="0"/>
+          </a:p>
+          <a:p>
+            <a:pPr marL="0" indent="0">
+              <a:buNone/>
+            </a:pPr>
+            <a:r>
+              <a:rPr lang="en-US" dirty="0" smtClean="0"/>
+              <a:t>If x, e, and, p are 1000-bit integers</a:t>
+            </a:r>
+          </a:p>
+          <a:p>
+            <a:pPr marL="0" indent="0">
+              <a:buNone/>
+            </a:pPr>
+            <a:r>
+              <a:rPr lang="en-US" dirty="0"/>
+              <a:t>	</a:t>
+            </a:r>
+            <a:r>
+              <a:rPr lang="en-US" dirty="0" err="1" smtClean="0"/>
+              <a:t>x</a:t>
+            </a:r>
+            <a:r>
+              <a:rPr lang="en-US" baseline="30000" dirty="0" err="1" smtClean="0"/>
+              <a:t>e</a:t>
+            </a:r>
+            <a:r>
+              <a:rPr lang="en-US" baseline="30000" dirty="0" smtClean="0"/>
+              <a:t> </a:t>
+            </a:r>
+            <a:r>
+              <a:rPr lang="en-US" sz="2900" dirty="0" smtClean="0"/>
+              <a:t>mod </a:t>
+            </a:r>
+            <a:r>
+              <a:rPr lang="en-US" dirty="0" smtClean="0"/>
+              <a:t>p takes only milliseconds on today’s devices</a:t>
+            </a:r>
+          </a:p>
+          <a:p>
+            <a:endParaRPr lang="en-US" dirty="0"/>
+          </a:p>
+          <a:p>
+            <a:pPr marL="0" indent="0">
+              <a:buNone/>
+            </a:pPr>
+            <a:r>
+              <a:rPr lang="en-US" dirty="0" smtClean="0">
+                <a:solidFill>
+                  <a:srgbClr val="4177B9"/>
+                </a:solidFill>
+              </a:rPr>
+              <a:t>Thought Question: write an algorithm for fast modular exp. using repeated squaring and multiplication</a:t>
+            </a:r>
+          </a:p>
+        </p:txBody>
+      </p:sp>
+    </p:spTree>
+    <p:extLst>
+      <p:ext uri="{BB962C8B-B14F-4D97-AF65-F5344CB8AC3E}">
+        <p14:creationId xmlns:p14="http://schemas.microsoft.com/office/powerpoint/2010/main" val="2102043570"/>
+      </p:ext>
+    </p:extLst>
+  </p:cSld>
+  <p:clrMapOvr>
+    <a:masterClrMapping/>
+  </p:clrMapOvr>
+  <mc:AlternateContent xmlns:mc="http://schemas.openxmlformats.org/markup-compatibility/2006" xmlns:p14="http://schemas.microsoft.com/office/powerpoint/2010/main">
+    <mc:Choice Requires="p14">
+      <p:transition spd="slow" p14:dur="2000"/>
+    </mc:Choice>
+    <mc:Fallback xmlns="">
+      <p:transition xmlns:p14="http://schemas.microsoft.com/office/powerpoint/2010/main" spd="slow"/>
+    </mc:Fallback>
+  </mc:AlternateContent>
+  <p:timing>
+    <p:tnLst>
+      <p:par>
+        <p:cTn xmlns:p14="http://schemas.microsoft.com/office/powerpoint/2010/main" id="1" dur="indefinite" restart="never" nodeType="tmRoot"/>
+      </p:par>
+    </p:tnLst>
+  </p:timing>
+</p:sld>
+</file>
+
 <file path=ppt/slides/slide2.xml><?xml version="1.0" encoding="utf-8"?>
 <p:sld xmlns:a="http://schemas.openxmlformats.org/drawingml/2006/main" xmlns:r="http://schemas.openxmlformats.org/officeDocument/2006/relationships" xmlns:p="http://schemas.openxmlformats.org/presentationml/2006/main">
   <p:cSld>
@@ -13995,211 +14173,6 @@
 </file>
 
 <file path=ppt/slides/slide20.xml><?xml version="1.0" encoding="utf-8"?>
-<p:sld xmlns:a="http://schemas.openxmlformats.org/drawingml/2006/main" xmlns:r="http://schemas.openxmlformats.org/officeDocument/2006/relationships" xmlns:p="http://schemas.openxmlformats.org/presentationml/2006/main">
-  <p:cSld>
-    <p:spTree>
-      <p:nvGrpSpPr>
-        <p:cNvPr id="1" name=""/>
-        <p:cNvGrpSpPr/>
-        <p:nvPr/>
-      </p:nvGrpSpPr>
-      <p:grpSpPr>
-        <a:xfrm>
-          <a:off x="0" y="0"/>
-          <a:ext cx="0" cy="0"/>
-          <a:chOff x="0" y="0"/>
-          <a:chExt cx="0" cy="0"/>
-        </a:xfrm>
-      </p:grpSpPr>
-      <p:sp>
-        <p:nvSpPr>
-          <p:cNvPr id="2" name="Title 1"/>
-          <p:cNvSpPr>
-            <a:spLocks noGrp="1"/>
-          </p:cNvSpPr>
-          <p:nvPr>
-            <p:ph type="title"/>
-          </p:nvPr>
-        </p:nvSpPr>
-        <p:spPr/>
-        <p:txBody>
-          <a:bodyPr/>
-          <a:lstStyle/>
-          <a:p>
-            <a:r>
-              <a:rPr lang="en-US" dirty="0" smtClean="0"/>
-              <a:t>Modular Exponentiation is Fast</a:t>
-            </a:r>
-            <a:endParaRPr lang="en-US" dirty="0"/>
-          </a:p>
-        </p:txBody>
-      </p:sp>
-      <p:sp>
-        <p:nvSpPr>
-          <p:cNvPr id="3" name="Content Placeholder 2"/>
-          <p:cNvSpPr>
-            <a:spLocks noGrp="1"/>
-          </p:cNvSpPr>
-          <p:nvPr>
-            <p:ph idx="1"/>
-          </p:nvPr>
-        </p:nvSpPr>
-        <p:spPr>
-          <a:xfrm>
-            <a:off x="457200" y="1200151"/>
-            <a:ext cx="8515350" cy="3394472"/>
-          </a:xfrm>
-        </p:spPr>
-        <p:txBody>
-          <a:bodyPr>
-            <a:normAutofit fontScale="70000" lnSpcReduction="20000"/>
-          </a:bodyPr>
-          <a:lstStyle/>
-          <a:p>
-            <a:endParaRPr lang="en-US" dirty="0" smtClean="0"/>
-          </a:p>
-          <a:p>
-            <a:pPr marL="0" indent="0">
-              <a:buNone/>
-            </a:pPr>
-            <a:r>
-              <a:rPr lang="en-US" dirty="0" smtClean="0"/>
-              <a:t>Trick: repeated squaring and multiplication</a:t>
-            </a:r>
-          </a:p>
-          <a:p>
-            <a:pPr marL="0" indent="0">
-              <a:buNone/>
-            </a:pPr>
-            <a:r>
-              <a:rPr lang="en-US" dirty="0"/>
-              <a:t>	</a:t>
-            </a:r>
-            <a:r>
-              <a:rPr lang="en-US" dirty="0" smtClean="0"/>
-              <a:t>Example: x</a:t>
-            </a:r>
-            <a:r>
-              <a:rPr lang="en-US" baseline="30000" dirty="0" smtClean="0"/>
-              <a:t>6</a:t>
-            </a:r>
-            <a:r>
-              <a:rPr lang="en-US" dirty="0" smtClean="0"/>
-              <a:t> = (x</a:t>
-            </a:r>
-            <a:r>
-              <a:rPr lang="en-US" baseline="30000" dirty="0" smtClean="0"/>
-              <a:t>2</a:t>
-            </a:r>
-            <a:r>
-              <a:rPr lang="en-US" dirty="0" smtClean="0"/>
-              <a:t>·x)</a:t>
-            </a:r>
-            <a:r>
-              <a:rPr lang="en-US" baseline="30000" dirty="0" smtClean="0"/>
-              <a:t>2</a:t>
-            </a:r>
-          </a:p>
-          <a:p>
-            <a:pPr marL="0" indent="0">
-              <a:buNone/>
-            </a:pPr>
-            <a:r>
-              <a:rPr lang="en-US" dirty="0" smtClean="0"/>
-              <a:t>	Do all arithmetic mod p so that result never gets large</a:t>
-            </a:r>
-          </a:p>
-          <a:p>
-            <a:pPr marL="0" indent="0">
-              <a:buNone/>
-            </a:pPr>
-            <a:endParaRPr lang="en-US" dirty="0"/>
-          </a:p>
-          <a:p>
-            <a:pPr marL="0" indent="0">
-              <a:buNone/>
-            </a:pPr>
-            <a:r>
-              <a:rPr lang="en-US" dirty="0" smtClean="0"/>
-              <a:t>If x, e, and, p are 1000-bit integers</a:t>
-            </a:r>
-          </a:p>
-          <a:p>
-            <a:pPr marL="0" indent="0">
-              <a:buNone/>
-            </a:pPr>
-            <a:r>
-              <a:rPr lang="en-US" dirty="0"/>
-              <a:t>	</a:t>
-            </a:r>
-            <a:r>
-              <a:rPr lang="en-US" dirty="0" err="1" smtClean="0"/>
-              <a:t>x</a:t>
-            </a:r>
-            <a:r>
-              <a:rPr lang="en-US" baseline="30000" dirty="0" err="1" smtClean="0"/>
-              <a:t>e</a:t>
-            </a:r>
-            <a:r>
-              <a:rPr lang="en-US" baseline="30000" dirty="0" smtClean="0"/>
-              <a:t> </a:t>
-            </a:r>
-            <a:r>
-              <a:rPr lang="en-US" sz="2900" dirty="0" smtClean="0"/>
-              <a:t>mod </a:t>
-            </a:r>
-            <a:r>
-              <a:rPr lang="en-US" dirty="0" smtClean="0"/>
-              <a:t>p takes only milliseconds on today’s devices</a:t>
-            </a:r>
-          </a:p>
-          <a:p>
-            <a:endParaRPr lang="en-US" dirty="0"/>
-          </a:p>
-          <a:p>
-            <a:pPr marL="0" indent="0">
-              <a:buNone/>
-            </a:pPr>
-            <a:r>
-              <a:rPr lang="en-US" dirty="0" smtClean="0">
-                <a:solidFill>
-                  <a:srgbClr val="4177B9"/>
-                </a:solidFill>
-              </a:rPr>
-              <a:t>Thought Question: write an algorithm for fast modular exp. using repeated squaring and multiplication</a:t>
-            </a:r>
-          </a:p>
-        </p:txBody>
-      </p:sp>
-    </p:spTree>
-    <p:extLst>
-      <p:ext uri="{BB962C8B-B14F-4D97-AF65-F5344CB8AC3E}">
-        <p14:creationId xmlns:p14="http://schemas.microsoft.com/office/powerpoint/2010/main" val="2102043570"/>
-      </p:ext>
-    </p:extLst>
-  </p:cSld>
-  <p:clrMapOvr>
-    <a:masterClrMapping/>
-  </p:clrMapOvr>
-  <mc:AlternateContent xmlns:mc="http://schemas.openxmlformats.org/markup-compatibility/2006" xmlns:p14="http://schemas.microsoft.com/office/powerpoint/2010/main">
-    <mc:Choice Requires="p14">
-      <p:transition spd="slow" p14:dur="2000"/>
-    </mc:Choice>
-    <mc:Fallback xmlns="">
-      <p:transition xmlns:p14="http://schemas.microsoft.com/office/powerpoint/2010/main" spd="slow"/>
-    </mc:Fallback>
-  </mc:AlternateContent>
-  <p:timing>
-    <p:tnLst>
-      <p:par>
-        <p:cTn xmlns:p14="http://schemas.microsoft.com/office/powerpoint/2010/main" id="1" dur="indefinite" restart="never" nodeType="tmRoot"/>
-      </p:par>
-    </p:tnLst>
-  </p:timing>
-</p:sld>
-</file>
-
-<file path=ppt/slides/slide21.xml><?xml version="1.0" encoding="utf-8"?>
 <p:sld xmlns:a="http://schemas.openxmlformats.org/drawingml/2006/main" xmlns:r="http://schemas.openxmlformats.org/officeDocument/2006/relationships" xmlns:p="http://schemas.openxmlformats.org/presentationml/2006/main">
   <p:cSld>
     <p:spTree>
@@ -15274,7 +15247,7 @@
 </p:sld>
 </file>
 
-<file path=ppt/slides/slide22.xml><?xml version="1.0" encoding="utf-8"?>
+<file path=ppt/slides/slide21.xml><?xml version="1.0" encoding="utf-8"?>
 <p:sld xmlns:a="http://schemas.openxmlformats.org/drawingml/2006/main" xmlns:r="http://schemas.openxmlformats.org/officeDocument/2006/relationships" xmlns:p="http://schemas.openxmlformats.org/presentationml/2006/main">
   <p:cSld>
     <p:spTree>
@@ -15492,7 +15465,7 @@
 </p:sld>
 </file>
 
-<file path=ppt/slides/slide23.xml><?xml version="1.0" encoding="utf-8"?>
+<file path=ppt/slides/slide22.xml><?xml version="1.0" encoding="utf-8"?>
 <p:sld xmlns:a="http://schemas.openxmlformats.org/drawingml/2006/main" xmlns:r="http://schemas.openxmlformats.org/officeDocument/2006/relationships" xmlns:p="http://schemas.openxmlformats.org/presentationml/2006/main">
   <p:cSld>
     <p:spTree>
@@ -15806,7 +15779,7 @@
 </p:sld>
 </file>
 
-<file path=ppt/slides/slide24.xml><?xml version="1.0" encoding="utf-8"?>
+<file path=ppt/slides/slide23.xml><?xml version="1.0" encoding="utf-8"?>
 <p:sld xmlns:a="http://schemas.openxmlformats.org/drawingml/2006/main" xmlns:r="http://schemas.openxmlformats.org/officeDocument/2006/relationships" xmlns:p="http://schemas.openxmlformats.org/presentationml/2006/main">
   <p:cSld>
     <p:spTree>
@@ -16133,14 +16106,85 @@
   <p:timing>
     <p:tnLst>
       <p:par>
-        <p:cTn xmlns:p14="http://schemas.microsoft.com/office/powerpoint/2010/main" id="1" dur="indefinite" restart="never" nodeType="tmRoot"/>
+        <p:cTn xmlns:p14="http://schemas.microsoft.com/office/powerpoint/2010/main" id="1" dur="indefinite" restart="never" nodeType="tmRoot">
+          <p:childTnLst>
+            <p:seq concurrent="1" nextAc="seek">
+              <p:cTn id="2" dur="indefinite" nodeType="mainSeq">
+                <p:childTnLst>
+                  <p:par>
+                    <p:cTn id="3" fill="hold">
+                      <p:stCondLst>
+                        <p:cond delay="indefinite"/>
+                      </p:stCondLst>
+                      <p:childTnLst>
+                        <p:par>
+                          <p:cTn id="4" fill="hold">
+                            <p:stCondLst>
+                              <p:cond delay="0"/>
+                            </p:stCondLst>
+                            <p:childTnLst>
+                              <p:par>
+                                <p:cTn id="5" presetID="1" presetClass="entr" presetSubtype="0" fill="hold" grpId="0" nodeType="clickEffect">
+                                  <p:stCondLst>
+                                    <p:cond delay="0"/>
+                                  </p:stCondLst>
+                                  <p:childTnLst>
+                                    <p:set>
+                                      <p:cBhvr>
+                                        <p:cTn id="6" dur="1" fill="hold">
+                                          <p:stCondLst>
+                                            <p:cond delay="0"/>
+                                          </p:stCondLst>
+                                        </p:cTn>
+                                        <p:tgtEl>
+                                          <p:spTgt spid="7"/>
+                                        </p:tgtEl>
+                                        <p:attrNameLst>
+                                          <p:attrName>style.visibility</p:attrName>
+                                        </p:attrNameLst>
+                                      </p:cBhvr>
+                                      <p:to>
+                                        <p:strVal val="visible"/>
+                                      </p:to>
+                                    </p:set>
+                                  </p:childTnLst>
+                                </p:cTn>
+                              </p:par>
+                            </p:childTnLst>
+                          </p:cTn>
+                        </p:par>
+                      </p:childTnLst>
+                    </p:cTn>
+                  </p:par>
+                </p:childTnLst>
+              </p:cTn>
+              <p:prevCondLst>
+                <p:cond evt="onPrev" delay="0">
+                  <p:tgtEl>
+                    <p:sldTgt/>
+                  </p:tgtEl>
+                </p:cond>
+              </p:prevCondLst>
+              <p:nextCondLst>
+                <p:cond evt="onNext" delay="0">
+                  <p:tgtEl>
+                    <p:sldTgt/>
+                  </p:tgtEl>
+                </p:cond>
+              </p:nextCondLst>
+            </p:seq>
+          </p:childTnLst>
+        </p:cTn>
       </p:par>
     </p:tnLst>
+    <p:bldLst>
+      <p:bldP spid="7" grpId="0" animBg="1"/>
+    </p:bldLst>
   </p:timing>
 </p:sld>
 </file>
 
-<file path=ppt/slides/slide25.xml><?xml version="1.0" encoding="utf-8"?>
+<file path=ppt/slides/slide24.xml><?xml version="1.0" encoding="utf-8"?>
 <p:sld xmlns:a="http://schemas.openxmlformats.org/drawingml/2006/main" xmlns:r="http://schemas.openxmlformats.org/officeDocument/2006/relationships" xmlns:p="http://schemas.openxmlformats.org/presentationml/2006/main">
   <p:cSld>
     <p:spTree>
@@ -16894,7 +16938,7 @@
 </p:sld>
 </file>
 
-<file path=ppt/slides/slide26.xml><?xml version="1.0" encoding="utf-8"?>
+<file path=ppt/slides/slide25.xml><?xml version="1.0" encoding="utf-8"?>
 <p:sld xmlns:a="http://schemas.openxmlformats.org/drawingml/2006/main" xmlns:r="http://schemas.openxmlformats.org/officeDocument/2006/relationships" xmlns:p="http://schemas.openxmlformats.org/presentationml/2006/main">
   <p:cSld>
     <p:spTree>
@@ -17520,7 +17564,7 @@
 </p:sld>
 </file>
 
-<file path=ppt/slides/slide27.xml><?xml version="1.0" encoding="utf-8"?>
+<file path=ppt/slides/slide26.xml><?xml version="1.0" encoding="utf-8"?>
 <p:sld xmlns:a="http://schemas.openxmlformats.org/drawingml/2006/main" xmlns:r="http://schemas.openxmlformats.org/officeDocument/2006/relationships" xmlns:p="http://schemas.openxmlformats.org/presentationml/2006/main">
   <p:cSld>
     <p:spTree>
@@ -17686,7 +17730,7 @@
 </p:sld>
 </file>
 
-<file path=ppt/slides/slide28.xml><?xml version="1.0" encoding="utf-8"?>
+<file path=ppt/slides/slide27.xml><?xml version="1.0" encoding="utf-8"?>
 <p:sld xmlns:a="http://schemas.openxmlformats.org/drawingml/2006/main" xmlns:r="http://schemas.openxmlformats.org/officeDocument/2006/relationships" xmlns:p="http://schemas.openxmlformats.org/presentationml/2006/main">
   <p:cSld>
     <p:spTree>
@@ -17743,7 +17787,7 @@
           <a:p>
             <a:r>
               <a:rPr lang="en-US" dirty="0" smtClean="0"/>
-              <a:t>Plaintext is encrypted in blocks, with each block having a value less than n.</a:t>
+              <a:t>Plaintext is encrypted in blocks, with each block having a value less than N.</a:t>
             </a:r>
           </a:p>
           <a:p>
@@ -17758,7 +17802,7 @@
             </a:r>
             <a:r>
               <a:rPr lang="en-US" dirty="0" smtClean="0"/>
-              <a:t> n bits.</a:t>
+              <a:t> N bits.</a:t>
             </a:r>
           </a:p>
           <a:p>
@@ -17786,7 +17830,7 @@
 </p:sld>
 </file>
 
-<file path=ppt/slides/slide29.xml><?xml version="1.0" encoding="utf-8"?>
+<file path=ppt/slides/slide28.xml><?xml version="1.0" encoding="utf-8"?>
 <p:sld xmlns:a="http://schemas.openxmlformats.org/drawingml/2006/main" xmlns:r="http://schemas.openxmlformats.org/officeDocument/2006/relationships" xmlns:p="http://schemas.openxmlformats.org/presentationml/2006/main">
   <p:cSld>
     <p:spTree>
@@ -18063,264 +18107,7 @@
 </p:sld>
 </file>
 
-<file path=ppt/slides/slide3.xml><?xml version="1.0" encoding="utf-8"?>
-<p:sld xmlns:a="http://schemas.openxmlformats.org/drawingml/2006/main" xmlns:r="http://schemas.openxmlformats.org/officeDocument/2006/relationships" xmlns:p="http://schemas.openxmlformats.org/presentationml/2006/main">
-  <p:cSld>
-    <p:spTree>
-      <p:nvGrpSpPr>
-        <p:cNvPr id="1" name=""/>
-        <p:cNvGrpSpPr/>
-        <p:nvPr/>
-      </p:nvGrpSpPr>
-      <p:grpSpPr>
-        <a:xfrm>
-          <a:off x="0" y="0"/>
-          <a:ext cx="0" cy="0"/>
-          <a:chOff x="0" y="0"/>
-          <a:chExt cx="0" cy="0"/>
-        </a:xfrm>
-      </p:grpSpPr>
-      <p:sp>
-        <p:nvSpPr>
-          <p:cNvPr id="2" name="Content Placeholder 1"/>
-          <p:cNvSpPr>
-            <a:spLocks noGrp="1"/>
-          </p:cNvSpPr>
-          <p:nvPr>
-            <p:ph idx="1"/>
-          </p:nvPr>
-        </p:nvSpPr>
-        <p:spPr>
-          <a:xfrm>
-            <a:off x="457200" y="214314"/>
-            <a:ext cx="8229600" cy="4157662"/>
-          </a:xfrm>
-        </p:spPr>
-        <p:txBody>
-          <a:bodyPr>
-            <a:noAutofit/>
-          </a:bodyPr>
-          <a:lstStyle/>
-          <a:p>
-            <a:pPr algn="ctr"/>
-            <a:r>
-              <a:rPr lang="en-US" sz="4000" dirty="0" smtClean="0">
-                <a:solidFill>
-                  <a:srgbClr val="000000"/>
-                </a:solidFill>
-              </a:rPr>
-              <a:t>Public</a:t>
-            </a:r>
-            <a:r>
-              <a:rPr lang="en-US" sz="4000" dirty="0">
-                <a:solidFill>
-                  <a:srgbClr val="000000"/>
-                </a:solidFill>
-              </a:rPr>
-              <a:t> K</a:t>
-            </a:r>
-            <a:r>
-              <a:rPr lang="en-US" sz="4000" dirty="0" smtClean="0">
-                <a:solidFill>
-                  <a:srgbClr val="000000"/>
-                </a:solidFill>
-              </a:rPr>
-              <a:t>ey Crypto</a:t>
-            </a:r>
-          </a:p>
-          <a:p>
-            <a:pPr lvl="1">
-              <a:spcBef>
-                <a:spcPts val="1200"/>
-              </a:spcBef>
-              <a:buNone/>
-            </a:pPr>
-            <a:r>
-              <a:rPr lang="en-US" sz="2000" dirty="0" smtClean="0"/>
-              <a:t>So far, encryption key == decryption key (“</a:t>
-            </a:r>
-            <a:r>
-              <a:rPr lang="en-US" sz="2000" b="1" dirty="0" smtClean="0">
-                <a:solidFill>
-                  <a:schemeClr val="accent1"/>
-                </a:solidFill>
-              </a:rPr>
-              <a:t>symmetric key crypto</a:t>
-            </a:r>
-            <a:r>
-              <a:rPr lang="en-US" sz="2000" dirty="0" smtClean="0"/>
-              <a:t>”)</a:t>
-            </a:r>
-          </a:p>
-          <a:p>
-            <a:pPr lvl="1">
-              <a:buNone/>
-            </a:pPr>
-            <a:r>
-              <a:rPr lang="en-US" sz="2000" b="1" dirty="0" smtClean="0"/>
-              <a:t>New idea:</a:t>
-            </a:r>
-            <a:r>
-              <a:rPr lang="en-US" sz="2000" dirty="0" smtClean="0"/>
-              <a:t> Keys are distinct, and </a:t>
-            </a:r>
-            <a:r>
-              <a:rPr lang="en-US" sz="2000" i="1" dirty="0" smtClean="0"/>
-              <a:t>you can’t find one from the other</a:t>
-            </a:r>
-          </a:p>
-          <a:p>
-            <a:pPr lvl="1">
-              <a:spcBef>
-                <a:spcPts val="2400"/>
-              </a:spcBef>
-              <a:buNone/>
-            </a:pPr>
-            <a:r>
-              <a:rPr lang="en-US" sz="2000" dirty="0" smtClean="0"/>
-              <a:t>Almost always used by splitting key-pair</a:t>
-            </a:r>
-          </a:p>
-          <a:p>
-            <a:pPr lvl="1">
-              <a:buNone/>
-            </a:pPr>
-            <a:r>
-              <a:rPr lang="en-US" sz="1800" dirty="0" smtClean="0"/>
-              <a:t>	Alice keeps one key private (“</a:t>
-            </a:r>
-            <a:r>
-              <a:rPr lang="en-US" sz="1800" b="1" dirty="0" smtClean="0">
-                <a:solidFill>
-                  <a:schemeClr val="accent1"/>
-                </a:solidFill>
-              </a:rPr>
-              <a:t>private key</a:t>
-            </a:r>
-            <a:r>
-              <a:rPr lang="en-US" sz="1800" dirty="0" smtClean="0"/>
-              <a:t>”)</a:t>
-            </a:r>
-            <a:br>
-              <a:rPr lang="en-US" sz="1800" dirty="0" smtClean="0"/>
-            </a:br>
-            <a:r>
-              <a:rPr lang="en-US" sz="1800" dirty="0" smtClean="0"/>
-              <a:t>Publishes the other key (“</a:t>
-            </a:r>
-            <a:r>
-              <a:rPr lang="en-US" sz="1800" b="1" dirty="0" smtClean="0">
-                <a:solidFill>
-                  <a:schemeClr val="accent1"/>
-                </a:solidFill>
-              </a:rPr>
-              <a:t>public key</a:t>
-            </a:r>
-            <a:r>
-              <a:rPr lang="en-US" sz="1800" dirty="0" smtClean="0"/>
-              <a:t>”)</a:t>
-            </a:r>
-          </a:p>
-          <a:p>
-            <a:pPr lvl="1">
-              <a:buNone/>
-            </a:pPr>
-            <a:r>
-              <a:rPr lang="en-US" sz="2000" dirty="0" smtClean="0"/>
-              <a:t>Many applications</a:t>
-            </a:r>
-          </a:p>
-          <a:p>
-            <a:pPr lvl="1">
-              <a:buNone/>
-            </a:pPr>
-            <a:r>
-              <a:rPr lang="en-US" sz="2000" dirty="0" smtClean="0"/>
-              <a:t>Conceived in 1976 by Diffie and Hellman </a:t>
-            </a:r>
-            <a:br>
-              <a:rPr lang="en-US" sz="2000" dirty="0" smtClean="0"/>
-            </a:br>
-            <a:r>
-              <a:rPr lang="en-US" sz="1800" dirty="0" smtClean="0"/>
-              <a:t>(earlier by Clifford Cocks of British intelligence, in secret)</a:t>
-            </a:r>
-          </a:p>
-          <a:p>
-            <a:pPr marL="461963" lvl="1" indent="-4763">
-              <a:spcBef>
-                <a:spcPts val="2400"/>
-              </a:spcBef>
-              <a:buNone/>
-              <a:tabLst>
-                <a:tab pos="742950" algn="l"/>
-                <a:tab pos="1144588" algn="l"/>
-                <a:tab pos="1376363" algn="l"/>
-              </a:tabLst>
-            </a:pPr>
-            <a:r>
-              <a:rPr lang="en-US" sz="2000" dirty="0" smtClean="0"/>
-              <a:t>Best known, most common public-key algorithm: </a:t>
-            </a:r>
-            <a:r>
-              <a:rPr lang="en-US" sz="2000" b="1" dirty="0" smtClean="0">
-                <a:solidFill>
-                  <a:schemeClr val="accent1"/>
-                </a:solidFill>
-              </a:rPr>
-              <a:t>RSA</a:t>
-            </a:r>
-            <a:r>
-              <a:rPr lang="en-US" sz="2000" dirty="0" smtClean="0"/>
-              <a:t/>
-            </a:r>
-            <a:br>
-              <a:rPr lang="en-US" sz="2000" dirty="0" smtClean="0"/>
-            </a:br>
-            <a:r>
-              <a:rPr lang="en-US" sz="2000" dirty="0" smtClean="0"/>
-              <a:t>	</a:t>
-            </a:r>
-            <a:r>
-              <a:rPr lang="en-US" sz="1800" dirty="0" err="1" smtClean="0"/>
-              <a:t>Rivest</a:t>
-            </a:r>
-            <a:r>
-              <a:rPr lang="en-US" sz="1800" dirty="0" smtClean="0"/>
-              <a:t>, Shamir, and </a:t>
-            </a:r>
-            <a:r>
-              <a:rPr lang="en-US" sz="1800" dirty="0" err="1" smtClean="0"/>
-              <a:t>Adleman</a:t>
-            </a:r>
-            <a:r>
-              <a:rPr lang="en-US" sz="1800" dirty="0" smtClean="0"/>
-              <a:t> 1978</a:t>
-            </a:r>
-          </a:p>
-        </p:txBody>
-      </p:sp>
-    </p:spTree>
-    <p:extLst>
-      <p:ext uri="{BB962C8B-B14F-4D97-AF65-F5344CB8AC3E}">
-        <p14:creationId xmlns:p14="http://schemas.microsoft.com/office/powerpoint/2010/main" val="1348504170"/>
-      </p:ext>
-    </p:extLst>
-  </p:cSld>
-  <p:clrMapOvr>
-    <a:masterClrMapping/>
-  </p:clrMapOvr>
-  <p:timing>
-    <p:tnLst>
-      <p:par>
-        <p:cTn xmlns:p14="http://schemas.microsoft.com/office/powerpoint/2010/main" id="1" dur="indefinite" restart="never" nodeType="tmRoot"/>
-      </p:par>
-    </p:tnLst>
-  </p:timing>
-</p:sld>
-</file>
-
-<file path=ppt/slides/slide30.xml><?xml version="1.0" encoding="utf-8"?>
+<file path=ppt/slides/slide29.xml><?xml version="1.0" encoding="utf-8"?>
 <p:sld xmlns:a="http://schemas.openxmlformats.org/drawingml/2006/main" xmlns:r="http://schemas.openxmlformats.org/officeDocument/2006/relationships" xmlns:p="http://schemas.openxmlformats.org/presentationml/2006/main">
   <p:cSld>
     <p:spTree>
@@ -19178,7 +18965,264 @@
 </p:sld>
 </file>
 
-<file path=ppt/slides/slide31.xml><?xml version="1.0" encoding="utf-8"?>
+<file path=ppt/slides/slide3.xml><?xml version="1.0" encoding="utf-8"?>
+<p:sld xmlns:a="http://schemas.openxmlformats.org/drawingml/2006/main" xmlns:r="http://schemas.openxmlformats.org/officeDocument/2006/relationships" xmlns:p="http://schemas.openxmlformats.org/presentationml/2006/main">
+  <p:cSld>
+    <p:spTree>
+      <p:nvGrpSpPr>
+        <p:cNvPr id="1" name=""/>
+        <p:cNvGrpSpPr/>
+        <p:nvPr/>
+      </p:nvGrpSpPr>
+      <p:grpSpPr>
+        <a:xfrm>
+          <a:off x="0" y="0"/>
+          <a:ext cx="0" cy="0"/>
+          <a:chOff x="0" y="0"/>
+          <a:chExt cx="0" cy="0"/>
+        </a:xfrm>
+      </p:grpSpPr>
+      <p:sp>
+        <p:nvSpPr>
+          <p:cNvPr id="2" name="Content Placeholder 1"/>
+          <p:cNvSpPr>
+            <a:spLocks noGrp="1"/>
+          </p:cNvSpPr>
+          <p:nvPr>
+            <p:ph idx="1"/>
+          </p:nvPr>
+        </p:nvSpPr>
+        <p:spPr>
+          <a:xfrm>
+            <a:off x="457200" y="214314"/>
+            <a:ext cx="8229600" cy="4157662"/>
+          </a:xfrm>
+        </p:spPr>
+        <p:txBody>
+          <a:bodyPr>
+            <a:noAutofit/>
+          </a:bodyPr>
+          <a:lstStyle/>
+          <a:p>
+            <a:pPr algn="ctr"/>
+            <a:r>
+              <a:rPr lang="en-US" sz="4000" dirty="0" smtClean="0">
+                <a:solidFill>
+                  <a:srgbClr val="000000"/>
+                </a:solidFill>
+              </a:rPr>
+              <a:t>Public</a:t>
+            </a:r>
+            <a:r>
+              <a:rPr lang="en-US" sz="4000" dirty="0">
+                <a:solidFill>
+                  <a:srgbClr val="000000"/>
+                </a:solidFill>
+              </a:rPr>
+              <a:t> K</a:t>
+            </a:r>
+            <a:r>
+              <a:rPr lang="en-US" sz="4000" dirty="0" smtClean="0">
+                <a:solidFill>
+                  <a:srgbClr val="000000"/>
+                </a:solidFill>
+              </a:rPr>
+              <a:t>ey Crypto</a:t>
+            </a:r>
+          </a:p>
+          <a:p>
+            <a:pPr lvl="1">
+              <a:spcBef>
+                <a:spcPts val="1200"/>
+              </a:spcBef>
+              <a:buNone/>
+            </a:pPr>
+            <a:r>
+              <a:rPr lang="en-US" sz="2000" dirty="0" smtClean="0"/>
+              <a:t>So far, encryption key == decryption key (“</a:t>
+            </a:r>
+            <a:r>
+              <a:rPr lang="en-US" sz="2000" b="1" dirty="0" smtClean="0">
+                <a:solidFill>
+                  <a:schemeClr val="accent1"/>
+                </a:solidFill>
+              </a:rPr>
+              <a:t>symmetric key crypto</a:t>
+            </a:r>
+            <a:r>
+              <a:rPr lang="en-US" sz="2000" dirty="0" smtClean="0"/>
+              <a:t>”)</a:t>
+            </a:r>
+          </a:p>
+          <a:p>
+            <a:pPr lvl="1">
+              <a:buNone/>
+            </a:pPr>
+            <a:r>
+              <a:rPr lang="en-US" sz="2000" b="1" dirty="0" smtClean="0"/>
+              <a:t>New idea:</a:t>
+            </a:r>
+            <a:r>
+              <a:rPr lang="en-US" sz="2000" dirty="0" smtClean="0"/>
+              <a:t> Keys are distinct, and </a:t>
+            </a:r>
+            <a:r>
+              <a:rPr lang="en-US" sz="2000" i="1" dirty="0" smtClean="0"/>
+              <a:t>you can’t find one from the other</a:t>
+            </a:r>
+          </a:p>
+          <a:p>
+            <a:pPr lvl="1">
+              <a:spcBef>
+                <a:spcPts val="2400"/>
+              </a:spcBef>
+              <a:buNone/>
+            </a:pPr>
+            <a:r>
+              <a:rPr lang="en-US" sz="2000" dirty="0" smtClean="0"/>
+              <a:t>Almost always used by splitting key-pair</a:t>
+            </a:r>
+          </a:p>
+          <a:p>
+            <a:pPr lvl="1">
+              <a:buNone/>
+            </a:pPr>
+            <a:r>
+              <a:rPr lang="en-US" sz="1800" dirty="0" smtClean="0"/>
+              <a:t>	Alice keeps one key private (“</a:t>
+            </a:r>
+            <a:r>
+              <a:rPr lang="en-US" sz="1800" b="1" dirty="0" smtClean="0">
+                <a:solidFill>
+                  <a:schemeClr val="accent1"/>
+                </a:solidFill>
+              </a:rPr>
+              <a:t>private key</a:t>
+            </a:r>
+            <a:r>
+              <a:rPr lang="en-US" sz="1800" dirty="0" smtClean="0"/>
+              <a:t>”)</a:t>
+            </a:r>
+            <a:br>
+              <a:rPr lang="en-US" sz="1800" dirty="0" smtClean="0"/>
+            </a:br>
+            <a:r>
+              <a:rPr lang="en-US" sz="1800" dirty="0" smtClean="0"/>
+              <a:t>Publishes the other key (“</a:t>
+            </a:r>
+            <a:r>
+              <a:rPr lang="en-US" sz="1800" b="1" dirty="0" smtClean="0">
+                <a:solidFill>
+                  <a:schemeClr val="accent1"/>
+                </a:solidFill>
+              </a:rPr>
+              <a:t>public key</a:t>
+            </a:r>
+            <a:r>
+              <a:rPr lang="en-US" sz="1800" dirty="0" smtClean="0"/>
+              <a:t>”)</a:t>
+            </a:r>
+          </a:p>
+          <a:p>
+            <a:pPr lvl="1">
+              <a:buNone/>
+            </a:pPr>
+            <a:r>
+              <a:rPr lang="en-US" sz="2000" dirty="0" smtClean="0"/>
+              <a:t>Many applications</a:t>
+            </a:r>
+          </a:p>
+          <a:p>
+            <a:pPr lvl="1">
+              <a:buNone/>
+            </a:pPr>
+            <a:r>
+              <a:rPr lang="en-US" sz="2000" dirty="0" smtClean="0"/>
+              <a:t>Conceived in 1976 by Diffie and Hellman </a:t>
+            </a:r>
+            <a:br>
+              <a:rPr lang="en-US" sz="2000" dirty="0" smtClean="0"/>
+            </a:br>
+            <a:r>
+              <a:rPr lang="en-US" sz="1800" dirty="0" smtClean="0"/>
+              <a:t>(earlier by Clifford Cocks of British intelligence, in secret)</a:t>
+            </a:r>
+          </a:p>
+          <a:p>
+            <a:pPr marL="461963" lvl="1" indent="-4763">
+              <a:spcBef>
+                <a:spcPts val="2400"/>
+              </a:spcBef>
+              <a:buNone/>
+              <a:tabLst>
+                <a:tab pos="742950" algn="l"/>
+                <a:tab pos="1144588" algn="l"/>
+                <a:tab pos="1376363" algn="l"/>
+              </a:tabLst>
+            </a:pPr>
+            <a:r>
+              <a:rPr lang="en-US" sz="2000" dirty="0" smtClean="0"/>
+              <a:t>Best known, most common public-key algorithm: </a:t>
+            </a:r>
+            <a:r>
+              <a:rPr lang="en-US" sz="2000" b="1" dirty="0" smtClean="0">
+                <a:solidFill>
+                  <a:schemeClr val="accent1"/>
+                </a:solidFill>
+              </a:rPr>
+              <a:t>RSA</a:t>
+            </a:r>
+            <a:r>
+              <a:rPr lang="en-US" sz="2000" dirty="0" smtClean="0"/>
+              <a:t/>
+            </a:r>
+            <a:br>
+              <a:rPr lang="en-US" sz="2000" dirty="0" smtClean="0"/>
+            </a:br>
+            <a:r>
+              <a:rPr lang="en-US" sz="2000" dirty="0" smtClean="0"/>
+              <a:t>	</a:t>
+            </a:r>
+            <a:r>
+              <a:rPr lang="en-US" sz="1800" dirty="0" err="1" smtClean="0"/>
+              <a:t>Rivest</a:t>
+            </a:r>
+            <a:r>
+              <a:rPr lang="en-US" sz="1800" dirty="0" smtClean="0"/>
+              <a:t>, Shamir, and </a:t>
+            </a:r>
+            <a:r>
+              <a:rPr lang="en-US" sz="1800" dirty="0" err="1" smtClean="0"/>
+              <a:t>Adleman</a:t>
+            </a:r>
+            <a:r>
+              <a:rPr lang="en-US" sz="1800" dirty="0" smtClean="0"/>
+              <a:t> 1978</a:t>
+            </a:r>
+          </a:p>
+        </p:txBody>
+      </p:sp>
+    </p:spTree>
+    <p:extLst>
+      <p:ext uri="{BB962C8B-B14F-4D97-AF65-F5344CB8AC3E}">
+        <p14:creationId xmlns:p14="http://schemas.microsoft.com/office/powerpoint/2010/main" val="1348504170"/>
+      </p:ext>
+    </p:extLst>
+  </p:cSld>
+  <p:clrMapOvr>
+    <a:masterClrMapping/>
+  </p:clrMapOvr>
+  <p:timing>
+    <p:tnLst>
+      <p:par>
+        <p:cTn xmlns:p14="http://schemas.microsoft.com/office/powerpoint/2010/main" id="1" dur="indefinite" restart="never" nodeType="tmRoot"/>
+      </p:par>
+    </p:tnLst>
+  </p:timing>
+</p:sld>
+</file>
+
+<file path=ppt/slides/slide30.xml><?xml version="1.0" encoding="utf-8"?>
 <p:sld xmlns:a="http://schemas.openxmlformats.org/drawingml/2006/main" xmlns:r="http://schemas.openxmlformats.org/officeDocument/2006/relationships" xmlns:p="http://schemas.openxmlformats.org/presentationml/2006/main">
   <p:cSld>
     <p:spTree>
@@ -19457,7 +19501,7 @@
 </p:sld>
 </file>
 
-<file path=ppt/slides/slide32.xml><?xml version="1.0" encoding="utf-8"?>
+<file path=ppt/slides/slide31.xml><?xml version="1.0" encoding="utf-8"?>
 <p:sld xmlns:a="http://schemas.openxmlformats.org/drawingml/2006/main" xmlns:r="http://schemas.openxmlformats.org/officeDocument/2006/relationships" xmlns:p="http://schemas.openxmlformats.org/presentationml/2006/main">
   <p:cSld>
     <p:spTree>
@@ -20016,7 +20060,7 @@
 </p:sld>
 </file>
 
-<file path=ppt/slides/slide33.xml><?xml version="1.0" encoding="utf-8"?>
+<file path=ppt/slides/slide32.xml><?xml version="1.0" encoding="utf-8"?>
 <p:sld xmlns:a="http://schemas.openxmlformats.org/drawingml/2006/main" xmlns:r="http://schemas.openxmlformats.org/officeDocument/2006/relationships" xmlns:p="http://schemas.openxmlformats.org/presentationml/2006/main">
   <p:cSld>
     <p:spTree>
@@ -20576,6 +20620,175 @@
 </p:sld>
 </file>
 
+<file path=ppt/slides/slide33.xml><?xml version="1.0" encoding="utf-8"?>
+<p:sld xmlns:a="http://schemas.openxmlformats.org/drawingml/2006/main" xmlns:r="http://schemas.openxmlformats.org/officeDocument/2006/relationships" xmlns:p="http://schemas.openxmlformats.org/presentationml/2006/main">
+  <p:cSld>
+    <p:spTree>
+      <p:nvGrpSpPr>
+        <p:cNvPr id="1" name=""/>
+        <p:cNvGrpSpPr/>
+        <p:nvPr/>
+      </p:nvGrpSpPr>
+      <p:grpSpPr>
+        <a:xfrm>
+          <a:off x="0" y="0"/>
+          <a:ext cx="0" cy="0"/>
+          <a:chOff x="0" y="0"/>
+          <a:chExt cx="0" cy="0"/>
+        </a:xfrm>
+      </p:grpSpPr>
+      <p:sp>
+        <p:nvSpPr>
+          <p:cNvPr id="2" name="Title 1"/>
+          <p:cNvSpPr>
+            <a:spLocks noGrp="1"/>
+          </p:cNvSpPr>
+          <p:nvPr>
+            <p:ph type="title"/>
+          </p:nvPr>
+        </p:nvSpPr>
+        <p:spPr/>
+        <p:txBody>
+          <a:bodyPr>
+            <a:normAutofit/>
+          </a:bodyPr>
+          <a:lstStyle/>
+          <a:p>
+            <a:r>
+              <a:rPr lang="en-US" dirty="0" smtClean="0"/>
+              <a:t>Hybrid Encryption</a:t>
+            </a:r>
+            <a:endParaRPr lang="en-US" dirty="0"/>
+          </a:p>
+        </p:txBody>
+      </p:sp>
+      <p:sp>
+        <p:nvSpPr>
+          <p:cNvPr id="3" name="Content Placeholder 2"/>
+          <p:cNvSpPr>
+            <a:spLocks noGrp="1"/>
+          </p:cNvSpPr>
+          <p:nvPr>
+            <p:ph idx="1"/>
+          </p:nvPr>
+        </p:nvSpPr>
+        <p:spPr/>
+        <p:txBody>
+          <a:bodyPr>
+            <a:normAutofit fontScale="70000" lnSpcReduction="20000"/>
+          </a:bodyPr>
+          <a:lstStyle/>
+          <a:p>
+            <a:pPr marL="0" indent="0">
+              <a:buNone/>
+            </a:pPr>
+            <a:r>
+              <a:rPr lang="en-US" dirty="0" smtClean="0">
+                <a:solidFill>
+                  <a:srgbClr val="4177B9"/>
+                </a:solidFill>
+              </a:rPr>
+              <a:t>Q. What </a:t>
+            </a:r>
+            <a:r>
+              <a:rPr lang="en-US" dirty="0">
+                <a:solidFill>
+                  <a:srgbClr val="4177B9"/>
+                </a:solidFill>
+              </a:rPr>
+              <a:t>about messages longer than 1 block</a:t>
+            </a:r>
+            <a:r>
+              <a:rPr lang="en-US" dirty="0" smtClean="0">
+                <a:solidFill>
+                  <a:srgbClr val="4177B9"/>
+                </a:solidFill>
+              </a:rPr>
+              <a:t>?</a:t>
+            </a:r>
+          </a:p>
+          <a:p>
+            <a:pPr marL="0" indent="0">
+              <a:buNone/>
+            </a:pPr>
+            <a:endParaRPr lang="en-US" dirty="0"/>
+          </a:p>
+          <a:p>
+            <a:pPr marL="0" indent="0">
+              <a:buNone/>
+            </a:pPr>
+            <a:r>
+              <a:rPr lang="en-US" b="1" dirty="0" smtClean="0"/>
+              <a:t>Hybrid encryption: </a:t>
+            </a:r>
+          </a:p>
+          <a:p>
+            <a:r>
+              <a:rPr lang="en-US" dirty="0" smtClean="0"/>
+              <a:t>pick random key k for symmetric encryption</a:t>
+            </a:r>
+          </a:p>
+          <a:p>
+            <a:r>
+              <a:rPr lang="en-US" dirty="0" smtClean="0"/>
+              <a:t>encrypt k using RSA-OAEP</a:t>
+            </a:r>
+          </a:p>
+          <a:p>
+            <a:r>
+              <a:rPr lang="en-US" dirty="0" smtClean="0"/>
+              <a:t>send encrypted k and</a:t>
+            </a:r>
+          </a:p>
+          <a:p>
+            <a:r>
+              <a:rPr lang="en-US" dirty="0" smtClean="0"/>
+              <a:t>m symmetric encrypted with k (say with AES)</a:t>
+            </a:r>
+          </a:p>
+          <a:p>
+            <a:endParaRPr lang="en-US" dirty="0"/>
+          </a:p>
+          <a:p>
+            <a:pPr marL="0" indent="0">
+              <a:buNone/>
+            </a:pPr>
+            <a:r>
+              <a:rPr lang="en-US" dirty="0" smtClean="0"/>
+              <a:t>Reason: RSA is too slow to apply on long messages</a:t>
+            </a:r>
+            <a:endParaRPr lang="en-US" dirty="0"/>
+          </a:p>
+        </p:txBody>
+      </p:sp>
+    </p:spTree>
+    <p:extLst>
+      <p:ext uri="{BB962C8B-B14F-4D97-AF65-F5344CB8AC3E}">
+        <p14:creationId xmlns:p14="http://schemas.microsoft.com/office/powerpoint/2010/main" val="977885955"/>
+      </p:ext>
+    </p:extLst>
+  </p:cSld>
+  <p:clrMapOvr>
+    <a:masterClrMapping/>
+  </p:clrMapOvr>
+  <mc:AlternateContent xmlns:mc="http://schemas.openxmlformats.org/markup-compatibility/2006" xmlns:p14="http://schemas.microsoft.com/office/powerpoint/2010/main">
+    <mc:Choice Requires="p14">
+      <p:transition spd="slow" p14:dur="2000"/>
+    </mc:Choice>
+    <mc:Fallback xmlns="">
+      <p:transition xmlns:p14="http://schemas.microsoft.com/office/powerpoint/2010/main" spd="slow"/>
+    </mc:Fallback>
+  </mc:AlternateContent>
+  <p:timing>
+    <p:tnLst>
+      <p:par>
+        <p:cTn xmlns:p14="http://schemas.microsoft.com/office/powerpoint/2010/main" id="1" dur="indefinite" restart="never" nodeType="tmRoot"/>
+      </p:par>
+    </p:tnLst>
+  </p:timing>
+</p:sld>
+</file>
+
 <file path=ppt/slides/slide34.xml><?xml version="1.0" encoding="utf-8"?>
 <p:sld xmlns:a="http://schemas.openxmlformats.org/drawingml/2006/main" xmlns:r="http://schemas.openxmlformats.org/officeDocument/2006/relationships" xmlns:p="http://schemas.openxmlformats.org/presentationml/2006/main">
   <p:cSld>
@@ -20605,14 +20818,12 @@
         </p:nvSpPr>
         <p:spPr/>
         <p:txBody>
-          <a:bodyPr>
-            <a:normAutofit/>
-          </a:bodyPr>
-          <a:lstStyle/>
-          <a:p>
-            <a:r>
-              <a:rPr lang="en-US" dirty="0" smtClean="0"/>
-              <a:t>Hybrid Encryption</a:t>
+          <a:bodyPr/>
+          <a:lstStyle/>
+          <a:p>
+            <a:r>
+              <a:rPr lang="en-US" dirty="0" smtClean="0"/>
+              <a:t>RSA Signatures</a:t>
             </a:r>
             <a:endParaRPr lang="en-US" dirty="0"/>
           </a:p>
@@ -20639,28 +20850,16 @@
               <a:buNone/>
             </a:pPr>
             <a:r>
-              <a:rPr lang="en-US" dirty="0" smtClean="0">
-                <a:solidFill>
-                  <a:srgbClr val="4177B9"/>
-                </a:solidFill>
-              </a:rPr>
-              <a:t>Q. What </a:t>
-            </a:r>
-            <a:r>
-              <a:rPr lang="en-US" dirty="0">
-                <a:solidFill>
-                  <a:srgbClr val="4177B9"/>
-                </a:solidFill>
-              </a:rPr>
-              <a:t>about messages longer than 1 block</a:t>
-            </a:r>
-            <a:r>
-              <a:rPr lang="en-US" dirty="0" smtClean="0">
-                <a:solidFill>
-                  <a:srgbClr val="4177B9"/>
-                </a:solidFill>
-              </a:rPr>
-              <a:t>?</a:t>
+              <a:rPr lang="en-US" dirty="0" smtClean="0"/>
+              <a:t>Digital signature: </a:t>
+            </a:r>
+            <a:r>
+              <a:rPr lang="en-US" dirty="0" smtClean="0"/>
+              <a:t>Asymmetric </a:t>
+            </a:r>
+            <a:r>
+              <a:rPr lang="en-US" dirty="0" smtClean="0"/>
+              <a:t>version of MAC</a:t>
             </a:r>
           </a:p>
           <a:p>
@@ -20674,45 +20873,109 @@
               <a:buNone/>
             </a:pPr>
             <a:r>
-              <a:rPr lang="en-US" b="1" dirty="0" smtClean="0"/>
-              <a:t>Hybrid encryption: </a:t>
-            </a:r>
-          </a:p>
-          <a:p>
-            <a:r>
-              <a:rPr lang="en-US" dirty="0" smtClean="0"/>
-              <a:t>pick random key k for symmetric encryption</a:t>
-            </a:r>
-          </a:p>
-          <a:p>
-            <a:r>
-              <a:rPr lang="en-US" dirty="0" smtClean="0"/>
-              <a:t>encrypt k using RSA-OAEP</a:t>
-            </a:r>
-          </a:p>
-          <a:p>
-            <a:r>
-              <a:rPr lang="en-US" dirty="0" smtClean="0"/>
-              <a:t>send encrypted k and</a:t>
-            </a:r>
-          </a:p>
-          <a:p>
-            <a:r>
-              <a:rPr lang="en-US" dirty="0" smtClean="0"/>
-              <a:t>m symmetric encrypted with k (say with AES)</a:t>
-            </a:r>
-          </a:p>
-          <a:p>
-            <a:endParaRPr lang="en-US" dirty="0"/>
+              <a:rPr lang="pt-BR" dirty="0" smtClean="0"/>
+              <a:t>Sign</a:t>
+            </a:r>
+            <a:r>
+              <a:rPr lang="pt-BR" baseline="-25000" dirty="0" smtClean="0"/>
+              <a:t>N,d</a:t>
+            </a:r>
+            <a:r>
+              <a:rPr lang="pt-BR" dirty="0" smtClean="0"/>
+              <a:t> </a:t>
+            </a:r>
+            <a:r>
+              <a:rPr lang="pt-BR" dirty="0"/>
+              <a:t>(m</a:t>
+            </a:r>
+            <a:r>
+              <a:rPr lang="pt-BR" dirty="0" smtClean="0"/>
+              <a:t>) = RSA(N</a:t>
+            </a:r>
+            <a:r>
+              <a:rPr lang="pt-BR" dirty="0"/>
+              <a:t>, d, Hash(m</a:t>
+            </a:r>
+            <a:r>
+              <a:rPr lang="pt-BR" dirty="0" smtClean="0"/>
+              <a:t>))</a:t>
+            </a:r>
+            <a:endParaRPr lang="en-US" dirty="0" smtClean="0"/>
           </a:p>
           <a:p>
             <a:pPr marL="0" indent="0">
               <a:buNone/>
             </a:pPr>
             <a:r>
-              <a:rPr lang="en-US" dirty="0" smtClean="0"/>
-              <a:t>Reason: RSA is too slow to apply on long messages</a:t>
-            </a:r>
+              <a:rPr lang="en-US" dirty="0" err="1" smtClean="0"/>
+              <a:t>Verify</a:t>
+            </a:r>
+            <a:r>
+              <a:rPr lang="en-US" baseline="-25000" dirty="0" err="1" smtClean="0"/>
+              <a:t>N,e</a:t>
+            </a:r>
+            <a:r>
+              <a:rPr lang="en-US" dirty="0" smtClean="0"/>
+              <a:t>(m, sig): RSA(N</a:t>
+            </a:r>
+            <a:r>
+              <a:rPr lang="en-US" dirty="0"/>
+              <a:t>, </a:t>
+            </a:r>
+            <a:r>
+              <a:rPr lang="en-US" dirty="0" smtClean="0"/>
+              <a:t>e, sig) == Hash(m)</a:t>
+            </a:r>
+          </a:p>
+          <a:p>
+            <a:pPr marL="0" indent="0">
+              <a:buNone/>
+            </a:pPr>
+            <a:endParaRPr lang="en-US" dirty="0"/>
+          </a:p>
+          <a:p>
+            <a:pPr marL="0" indent="0">
+              <a:buNone/>
+            </a:pPr>
+            <a:r>
+              <a:rPr lang="en-US" dirty="0" smtClean="0"/>
+              <a:t>Doesn’t have to be randomized</a:t>
+            </a:r>
+          </a:p>
+          <a:p>
+            <a:pPr marL="0" indent="0">
+              <a:buNone/>
+            </a:pPr>
+            <a:r>
+              <a:rPr lang="en-US" dirty="0" smtClean="0"/>
+              <a:t>(But randomized variant has better security proofs)</a:t>
+            </a:r>
+          </a:p>
+          <a:p>
+            <a:pPr marL="0" indent="0">
+              <a:buNone/>
+            </a:pPr>
+            <a:endParaRPr lang="en-US" dirty="0"/>
+          </a:p>
+          <a:p>
+            <a:pPr marL="0" indent="0">
+              <a:buNone/>
+            </a:pPr>
+            <a:r>
+              <a:rPr lang="en-US" dirty="0" smtClean="0"/>
+              <a:t>Again: </a:t>
+            </a:r>
+            <a:r>
+              <a:rPr lang="en-US" dirty="0" smtClean="0"/>
+              <a:t>note that inputs to RSA function are always </a:t>
+            </a:r>
+            <a:r>
+              <a:rPr lang="en-US" dirty="0" smtClean="0"/>
+              <a:t>short.</a:t>
+            </a:r>
+            <a:endParaRPr lang="en-US" dirty="0"/>
+          </a:p>
+          <a:p>
             <a:endParaRPr lang="en-US" dirty="0"/>
           </a:p>
         </p:txBody>
@@ -20720,7 +20983,7 @@
     </p:spTree>
     <p:extLst>
       <p:ext uri="{BB962C8B-B14F-4D97-AF65-F5344CB8AC3E}">
-        <p14:creationId xmlns:p14="http://schemas.microsoft.com/office/powerpoint/2010/main" val="977885955"/>
+        <p14:creationId xmlns:p14="http://schemas.microsoft.com/office/powerpoint/2010/main" val="555607291"/>
       </p:ext>
     </p:extLst>
   </p:cSld>
@@ -20779,225 +21042,6 @@
           <a:p>
             <a:r>
               <a:rPr lang="en-US" dirty="0" smtClean="0"/>
-              <a:t>RSA Signatures</a:t>
-            </a:r>
-            <a:endParaRPr lang="en-US" dirty="0"/>
-          </a:p>
-        </p:txBody>
-      </p:sp>
-      <p:sp>
-        <p:nvSpPr>
-          <p:cNvPr id="3" name="Content Placeholder 2"/>
-          <p:cNvSpPr>
-            <a:spLocks noGrp="1"/>
-          </p:cNvSpPr>
-          <p:nvPr>
-            <p:ph idx="1"/>
-          </p:nvPr>
-        </p:nvSpPr>
-        <p:spPr/>
-        <p:txBody>
-          <a:bodyPr>
-            <a:normAutofit fontScale="70000" lnSpcReduction="20000"/>
-          </a:bodyPr>
-          <a:lstStyle/>
-          <a:p>
-            <a:pPr marL="0" indent="0">
-              <a:buNone/>
-            </a:pPr>
-            <a:r>
-              <a:rPr lang="en-US" dirty="0" smtClean="0"/>
-              <a:t>Digital signature: </a:t>
-            </a:r>
-            <a:r>
-              <a:rPr lang="en-US" dirty="0" smtClean="0"/>
-              <a:t>Asymmetric </a:t>
-            </a:r>
-            <a:r>
-              <a:rPr lang="en-US" dirty="0" smtClean="0"/>
-              <a:t>version of MAC</a:t>
-            </a:r>
-          </a:p>
-          <a:p>
-            <a:pPr marL="0" indent="0">
-              <a:buNone/>
-            </a:pPr>
-            <a:endParaRPr lang="en-US" dirty="0"/>
-          </a:p>
-          <a:p>
-            <a:pPr marL="0" indent="0">
-              <a:buNone/>
-            </a:pPr>
-            <a:r>
-              <a:rPr lang="pt-BR" dirty="0" smtClean="0"/>
-              <a:t>Sign</a:t>
-            </a:r>
-            <a:r>
-              <a:rPr lang="pt-BR" baseline="-25000" dirty="0" smtClean="0"/>
-              <a:t>N,d</a:t>
-            </a:r>
-            <a:r>
-              <a:rPr lang="pt-BR" dirty="0" smtClean="0"/>
-              <a:t> </a:t>
-            </a:r>
-            <a:r>
-              <a:rPr lang="pt-BR" dirty="0"/>
-              <a:t>(m</a:t>
-            </a:r>
-            <a:r>
-              <a:rPr lang="pt-BR" dirty="0" smtClean="0"/>
-              <a:t>) = RSA(N</a:t>
-            </a:r>
-            <a:r>
-              <a:rPr lang="pt-BR" dirty="0"/>
-              <a:t>, d, Hash(m</a:t>
-            </a:r>
-            <a:r>
-              <a:rPr lang="pt-BR" dirty="0" smtClean="0"/>
-              <a:t>))</a:t>
-            </a:r>
-            <a:endParaRPr lang="en-US" dirty="0" smtClean="0"/>
-          </a:p>
-          <a:p>
-            <a:pPr marL="0" indent="0">
-              <a:buNone/>
-            </a:pPr>
-            <a:r>
-              <a:rPr lang="en-US" dirty="0" err="1" smtClean="0"/>
-              <a:t>Verify</a:t>
-            </a:r>
-            <a:r>
-              <a:rPr lang="en-US" baseline="-25000" dirty="0" err="1" smtClean="0"/>
-              <a:t>N,e</a:t>
-            </a:r>
-            <a:r>
-              <a:rPr lang="en-US" dirty="0" smtClean="0"/>
-              <a:t>(m, sig): RSA(N</a:t>
-            </a:r>
-            <a:r>
-              <a:rPr lang="en-US" dirty="0"/>
-              <a:t>, </a:t>
-            </a:r>
-            <a:r>
-              <a:rPr lang="en-US" dirty="0" smtClean="0"/>
-              <a:t>e, sig) == Hash(m)</a:t>
-            </a:r>
-          </a:p>
-          <a:p>
-            <a:pPr marL="0" indent="0">
-              <a:buNone/>
-            </a:pPr>
-            <a:endParaRPr lang="en-US" dirty="0"/>
-          </a:p>
-          <a:p>
-            <a:pPr marL="0" indent="0">
-              <a:buNone/>
-            </a:pPr>
-            <a:r>
-              <a:rPr lang="en-US" dirty="0" smtClean="0"/>
-              <a:t>Doesn’t have to be randomized</a:t>
-            </a:r>
-          </a:p>
-          <a:p>
-            <a:pPr marL="0" indent="0">
-              <a:buNone/>
-            </a:pPr>
-            <a:r>
-              <a:rPr lang="en-US" dirty="0" smtClean="0"/>
-              <a:t>(But randomized variant has better security proofs)</a:t>
-            </a:r>
-          </a:p>
-          <a:p>
-            <a:pPr marL="0" indent="0">
-              <a:buNone/>
-            </a:pPr>
-            <a:endParaRPr lang="en-US" dirty="0"/>
-          </a:p>
-          <a:p>
-            <a:pPr marL="0" indent="0">
-              <a:buNone/>
-            </a:pPr>
-            <a:r>
-              <a:rPr lang="en-US" dirty="0" smtClean="0"/>
-              <a:t>Again: </a:t>
-            </a:r>
-            <a:r>
-              <a:rPr lang="en-US" dirty="0" smtClean="0"/>
-              <a:t>note that inputs to RSA function are always </a:t>
-            </a:r>
-            <a:r>
-              <a:rPr lang="en-US" dirty="0" smtClean="0"/>
-              <a:t>short.</a:t>
-            </a:r>
-            <a:endParaRPr lang="en-US" dirty="0"/>
-          </a:p>
-          <a:p>
-            <a:endParaRPr lang="en-US" dirty="0"/>
-          </a:p>
-        </p:txBody>
-      </p:sp>
-    </p:spTree>
-    <p:extLst>
-      <p:ext uri="{BB962C8B-B14F-4D97-AF65-F5344CB8AC3E}">
-        <p14:creationId xmlns:p14="http://schemas.microsoft.com/office/powerpoint/2010/main" val="555607291"/>
-      </p:ext>
-    </p:extLst>
-  </p:cSld>
-  <p:clrMapOvr>
-    <a:masterClrMapping/>
-  </p:clrMapOvr>
-  <mc:AlternateContent xmlns:mc="http://schemas.openxmlformats.org/markup-compatibility/2006" xmlns:p14="http://schemas.microsoft.com/office/powerpoint/2010/main">
-    <mc:Choice Requires="p14">
-      <p:transition spd="slow" p14:dur="2000"/>
-    </mc:Choice>
-    <mc:Fallback xmlns="">
-      <p:transition xmlns:p14="http://schemas.microsoft.com/office/powerpoint/2010/main" spd="slow"/>
-    </mc:Fallback>
-  </mc:AlternateContent>
-  <p:timing>
-    <p:tnLst>
-      <p:par>
-        <p:cTn xmlns:p14="http://schemas.microsoft.com/office/powerpoint/2010/main" id="1" dur="indefinite" restart="never" nodeType="tmRoot"/>
-      </p:par>
-    </p:tnLst>
-  </p:timing>
-</p:sld>
-</file>
-
-<file path=ppt/slides/slide36.xml><?xml version="1.0" encoding="utf-8"?>
-<p:sld xmlns:a="http://schemas.openxmlformats.org/drawingml/2006/main" xmlns:r="http://schemas.openxmlformats.org/officeDocument/2006/relationships" xmlns:p="http://schemas.openxmlformats.org/presentationml/2006/main">
-  <p:cSld>
-    <p:spTree>
-      <p:nvGrpSpPr>
-        <p:cNvPr id="1" name=""/>
-        <p:cNvGrpSpPr/>
-        <p:nvPr/>
-      </p:nvGrpSpPr>
-      <p:grpSpPr>
-        <a:xfrm>
-          <a:off x="0" y="0"/>
-          <a:ext cx="0" cy="0"/>
-          <a:chOff x="0" y="0"/>
-          <a:chExt cx="0" cy="0"/>
-        </a:xfrm>
-      </p:grpSpPr>
-      <p:sp>
-        <p:nvSpPr>
-          <p:cNvPr id="2" name="Title 1"/>
-          <p:cNvSpPr>
-            <a:spLocks noGrp="1"/>
-          </p:cNvSpPr>
-          <p:nvPr>
-            <p:ph type="title"/>
-          </p:nvPr>
-        </p:nvSpPr>
-        <p:spPr/>
-        <p:txBody>
-          <a:bodyPr/>
-          <a:lstStyle/>
-          <a:p>
-            <a:r>
-              <a:rPr lang="en-US" dirty="0" smtClean="0"/>
               <a:t>Assumptions: Factoring is Hard</a:t>
             </a:r>
             <a:endParaRPr lang="en-US" dirty="0"/>
@@ -21171,7 +21215,7 @@
 </p:sld>
 </file>
 
-<file path=ppt/slides/slide37.xml><?xml version="1.0" encoding="utf-8"?>
+<file path=ppt/slides/slide36.xml><?xml version="1.0" encoding="utf-8"?>
 <p:sld xmlns:a="http://schemas.openxmlformats.org/drawingml/2006/main" xmlns:r="http://schemas.openxmlformats.org/officeDocument/2006/relationships" xmlns:p="http://schemas.openxmlformats.org/presentationml/2006/main">
   <p:cSld>
     <p:spTree>
@@ -21531,7 +21575,7 @@
 </p:sld>
 </file>
 
-<file path=ppt/slides/slide38.xml><?xml version="1.0" encoding="utf-8"?>
+<file path=ppt/slides/slide37.xml><?xml version="1.0" encoding="utf-8"?>
 <p:sld xmlns:a="http://schemas.openxmlformats.org/drawingml/2006/main" xmlns:r="http://schemas.openxmlformats.org/officeDocument/2006/relationships" xmlns:p="http://schemas.openxmlformats.org/presentationml/2006/main">
   <p:cSld>
     <p:spTree>
@@ -21684,7 +21728,7 @@
 </p:sld>
 </file>
 
-<file path=ppt/slides/slide39.xml><?xml version="1.0" encoding="utf-8"?>
+<file path=ppt/slides/slide38.xml><?xml version="1.0" encoding="utf-8"?>
 <p:sld xmlns:a="http://schemas.openxmlformats.org/drawingml/2006/main" xmlns:r="http://schemas.openxmlformats.org/officeDocument/2006/relationships" xmlns:p="http://schemas.openxmlformats.org/presentationml/2006/main">
   <p:cSld>
     <p:spTree>
@@ -22193,6 +22237,429 @@
 </p:sld>
 </file>
 
+<file path=ppt/slides/slide39.xml><?xml version="1.0" encoding="utf-8"?>
+<p:sld xmlns:a="http://schemas.openxmlformats.org/drawingml/2006/main" xmlns:r="http://schemas.openxmlformats.org/officeDocument/2006/relationships" xmlns:p="http://schemas.openxmlformats.org/presentationml/2006/main">
+  <p:cSld>
+    <p:spTree>
+      <p:nvGrpSpPr>
+        <p:cNvPr id="1" name=""/>
+        <p:cNvGrpSpPr/>
+        <p:nvPr/>
+      </p:nvGrpSpPr>
+      <p:grpSpPr>
+        <a:xfrm>
+          <a:off x="0" y="0"/>
+          <a:ext cx="0" cy="0"/>
+          <a:chOff x="0" y="0"/>
+          <a:chExt cx="0" cy="0"/>
+        </a:xfrm>
+      </p:grpSpPr>
+      <p:sp>
+        <p:nvSpPr>
+          <p:cNvPr id="2" name="Title 1"/>
+          <p:cNvSpPr>
+            <a:spLocks noGrp="1"/>
+          </p:cNvSpPr>
+          <p:nvPr>
+            <p:ph type="title"/>
+          </p:nvPr>
+        </p:nvSpPr>
+        <p:spPr/>
+        <p:txBody>
+          <a:bodyPr>
+            <a:noAutofit/>
+          </a:bodyPr>
+          <a:lstStyle/>
+          <a:p>
+            <a:r>
+              <a:rPr lang="en-US" sz="3200" dirty="0" smtClean="0"/>
+              <a:t>Key </a:t>
+            </a:r>
+            <a:r>
+              <a:rPr lang="en-US" sz="3200" dirty="0" smtClean="0"/>
+              <a:t>Size </a:t>
+            </a:r>
+            <a:r>
+              <a:rPr lang="en-US" sz="3200" dirty="0"/>
+              <a:t>C</a:t>
+            </a:r>
+            <a:r>
+              <a:rPr lang="en-US" sz="3200" dirty="0" smtClean="0"/>
+              <a:t>riteria</a:t>
+            </a:r>
+            <a:r>
+              <a:rPr lang="en-US" sz="3200" dirty="0" smtClean="0"/>
+              <a:t>:</a:t>
+            </a:r>
+            <a:br>
+              <a:rPr lang="en-US" sz="3200" dirty="0" smtClean="0"/>
+            </a:br>
+            <a:r>
+              <a:rPr lang="en-US" sz="3200" dirty="0" smtClean="0"/>
+              <a:t>Symmetric vs. </a:t>
+            </a:r>
+            <a:r>
+              <a:rPr lang="en-US" sz="3200" dirty="0"/>
+              <a:t>A</a:t>
+            </a:r>
+            <a:r>
+              <a:rPr lang="en-US" sz="3200" dirty="0" smtClean="0"/>
+              <a:t>symmetric are Totally </a:t>
+            </a:r>
+            <a:r>
+              <a:rPr lang="en-US" sz="3200" dirty="0"/>
+              <a:t>D</a:t>
+            </a:r>
+            <a:r>
+              <a:rPr lang="en-US" sz="3200" dirty="0" smtClean="0"/>
+              <a:t>ifferent</a:t>
+            </a:r>
+            <a:endParaRPr lang="en-US" sz="3200" dirty="0"/>
+          </a:p>
+        </p:txBody>
+      </p:sp>
+      <p:sp>
+        <p:nvSpPr>
+          <p:cNvPr id="4" name="Text Placeholder 3"/>
+          <p:cNvSpPr>
+            <a:spLocks noGrp="1"/>
+          </p:cNvSpPr>
+          <p:nvPr>
+            <p:ph type="body" idx="1"/>
+          </p:nvPr>
+        </p:nvSpPr>
+        <p:spPr/>
+        <p:txBody>
+          <a:bodyPr/>
+          <a:lstStyle/>
+          <a:p>
+            <a:r>
+              <a:rPr lang="en-US" dirty="0" smtClean="0"/>
+              <a:t>Symmetric</a:t>
+            </a:r>
+            <a:endParaRPr lang="en-US" dirty="0"/>
+          </a:p>
+        </p:txBody>
+      </p:sp>
+      <p:sp>
+        <p:nvSpPr>
+          <p:cNvPr id="3" name="Content Placeholder 2"/>
+          <p:cNvSpPr>
+            <a:spLocks noGrp="1"/>
+          </p:cNvSpPr>
+          <p:nvPr>
+            <p:ph sz="half" idx="2"/>
+          </p:nvPr>
+        </p:nvSpPr>
+        <p:spPr>
+          <a:xfrm>
+            <a:off x="457200" y="1631155"/>
+            <a:ext cx="4187826" cy="3283745"/>
+          </a:xfrm>
+        </p:spPr>
+        <p:txBody>
+          <a:bodyPr>
+            <a:normAutofit fontScale="85000" lnSpcReduction="10000"/>
+          </a:bodyPr>
+          <a:lstStyle/>
+          <a:p>
+            <a:pPr>
+              <a:buClr>
+                <a:schemeClr val="bg1">
+                  <a:lumMod val="65000"/>
+                </a:schemeClr>
+              </a:buClr>
+            </a:pPr>
+            <a:r>
+              <a:rPr lang="en-US" dirty="0" smtClean="0"/>
+              <a:t>“</a:t>
+            </a:r>
+            <a:r>
+              <a:rPr lang="en-US" dirty="0"/>
+              <a:t>C</a:t>
+            </a:r>
+            <a:r>
+              <a:rPr lang="en-US" dirty="0" smtClean="0"/>
+              <a:t>oncrete security”</a:t>
+            </a:r>
+          </a:p>
+          <a:p>
+            <a:pPr>
+              <a:buClr>
+                <a:schemeClr val="bg1">
+                  <a:lumMod val="65000"/>
+                </a:schemeClr>
+              </a:buClr>
+            </a:pPr>
+            <a:endParaRPr lang="en-US" i="1" dirty="0" smtClean="0"/>
+          </a:p>
+          <a:p>
+            <a:pPr>
+              <a:buClr>
+                <a:schemeClr val="bg1">
+                  <a:lumMod val="65000"/>
+                </a:schemeClr>
+              </a:buClr>
+            </a:pPr>
+            <a:r>
+              <a:rPr lang="en-US" i="1" dirty="0" smtClean="0"/>
+              <a:t>Anything</a:t>
+            </a:r>
+            <a:r>
+              <a:rPr lang="en-US" dirty="0" smtClean="0"/>
+              <a:t> &lt; 2</a:t>
+            </a:r>
+            <a:r>
+              <a:rPr lang="en-US" baseline="30000" dirty="0" smtClean="0"/>
+              <a:t>k</a:t>
+            </a:r>
+            <a:r>
+              <a:rPr lang="en-US" dirty="0" smtClean="0"/>
+              <a:t> operations considered a “break”</a:t>
+            </a:r>
+            <a:endParaRPr lang="en-US" dirty="0"/>
+          </a:p>
+          <a:p>
+            <a:pPr>
+              <a:buClr>
+                <a:schemeClr val="bg1">
+                  <a:lumMod val="65000"/>
+                </a:schemeClr>
+              </a:buClr>
+            </a:pPr>
+            <a:endParaRPr lang="en-US" dirty="0" smtClean="0"/>
+          </a:p>
+          <a:p>
+            <a:pPr>
+              <a:buClr>
+                <a:schemeClr val="bg1">
+                  <a:lumMod val="65000"/>
+                </a:schemeClr>
+              </a:buClr>
+            </a:pPr>
+            <a:r>
+              <a:rPr lang="en-US" dirty="0" smtClean="0"/>
+              <a:t>128 bits enough for block ciphers </a:t>
+            </a:r>
+            <a:br>
+              <a:rPr lang="en-US" dirty="0" smtClean="0"/>
+            </a:br>
+            <a:r>
+              <a:rPr lang="en-US" dirty="0" smtClean="0"/>
+              <a:t>	despite Moore’s law</a:t>
+            </a:r>
+          </a:p>
+          <a:p>
+            <a:pPr>
+              <a:buClr>
+                <a:schemeClr val="bg1">
+                  <a:lumMod val="65000"/>
+                </a:schemeClr>
+              </a:buClr>
+            </a:pPr>
+            <a:endParaRPr lang="en-US" dirty="0" smtClean="0"/>
+          </a:p>
+          <a:p>
+            <a:pPr>
+              <a:buClr>
+                <a:schemeClr val="bg1">
+                  <a:lumMod val="65000"/>
+                </a:schemeClr>
+              </a:buClr>
+            </a:pPr>
+            <a:r>
+              <a:rPr lang="en-US" dirty="0" smtClean="0"/>
+              <a:t>For hash functions: twice as much 	due to “birthday attack”</a:t>
+            </a:r>
+          </a:p>
+        </p:txBody>
+      </p:sp>
+      <p:sp>
+        <p:nvSpPr>
+          <p:cNvPr id="5" name="Text Placeholder 4"/>
+          <p:cNvSpPr>
+            <a:spLocks noGrp="1"/>
+          </p:cNvSpPr>
+          <p:nvPr>
+            <p:ph type="body" sz="quarter" idx="3"/>
+          </p:nvPr>
+        </p:nvSpPr>
+        <p:spPr/>
+        <p:txBody>
+          <a:bodyPr/>
+          <a:lstStyle/>
+          <a:p>
+            <a:r>
+              <a:rPr lang="en-US" dirty="0" smtClean="0"/>
+              <a:t>Asymmetric</a:t>
+            </a:r>
+            <a:endParaRPr lang="en-US" dirty="0"/>
+          </a:p>
+        </p:txBody>
+      </p:sp>
+      <p:sp>
+        <p:nvSpPr>
+          <p:cNvPr id="6" name="Content Placeholder 5"/>
+          <p:cNvSpPr>
+            <a:spLocks noGrp="1"/>
+          </p:cNvSpPr>
+          <p:nvPr>
+            <p:ph sz="quarter" idx="4"/>
+          </p:nvPr>
+        </p:nvSpPr>
+        <p:spPr>
+          <a:xfrm>
+            <a:off x="4645026" y="1631156"/>
+            <a:ext cx="4270374" cy="2963466"/>
+          </a:xfrm>
+        </p:spPr>
+        <p:txBody>
+          <a:bodyPr>
+            <a:normAutofit fontScale="92500" lnSpcReduction="10000"/>
+          </a:bodyPr>
+          <a:lstStyle/>
+          <a:p>
+            <a:pPr>
+              <a:buClr>
+                <a:schemeClr val="bg1">
+                  <a:lumMod val="65000"/>
+                </a:schemeClr>
+              </a:buClr>
+            </a:pPr>
+            <a:r>
+              <a:rPr lang="en-US" dirty="0" smtClean="0"/>
+              <a:t>“Asymptotic security”</a:t>
+            </a:r>
+          </a:p>
+          <a:p>
+            <a:pPr>
+              <a:buClr>
+                <a:schemeClr val="bg1">
+                  <a:lumMod val="65000"/>
+                </a:schemeClr>
+              </a:buClr>
+            </a:pPr>
+            <a:endParaRPr lang="en-US" dirty="0" smtClean="0"/>
+          </a:p>
+          <a:p>
+            <a:pPr>
+              <a:buClr>
+                <a:schemeClr val="bg1">
+                  <a:lumMod val="65000"/>
+                </a:schemeClr>
+              </a:buClr>
+            </a:pPr>
+            <a:r>
+              <a:rPr lang="en-US" dirty="0" smtClean="0"/>
+              <a:t>Best </a:t>
+            </a:r>
+            <a:r>
+              <a:rPr lang="en-US" dirty="0"/>
+              <a:t>known attack keeps </a:t>
+            </a:r>
+            <a:r>
+              <a:rPr lang="en-US" dirty="0" smtClean="0"/>
+              <a:t>improving</a:t>
+            </a:r>
+          </a:p>
+          <a:p>
+            <a:pPr>
+              <a:buClr>
+                <a:schemeClr val="bg1">
+                  <a:lumMod val="65000"/>
+                </a:schemeClr>
+              </a:buClr>
+            </a:pPr>
+            <a:endParaRPr lang="en-US" dirty="0"/>
+          </a:p>
+          <a:p>
+            <a:pPr>
+              <a:buClr>
+                <a:schemeClr val="bg1">
+                  <a:lumMod val="65000"/>
+                </a:schemeClr>
+              </a:buClr>
+            </a:pPr>
+            <a:r>
+              <a:rPr lang="en-US" dirty="0" smtClean="0"/>
+              <a:t>Current </a:t>
+            </a:r>
+            <a:r>
+              <a:rPr lang="en-US" dirty="0"/>
+              <a:t>advice: 2048 bit </a:t>
+            </a:r>
+            <a:r>
+              <a:rPr lang="en-US" dirty="0" smtClean="0"/>
+              <a:t>key</a:t>
+            </a:r>
+          </a:p>
+          <a:p>
+            <a:pPr lvl="1">
+              <a:buClr>
+                <a:schemeClr val="bg1">
+                  <a:lumMod val="65000"/>
+                </a:schemeClr>
+              </a:buClr>
+            </a:pPr>
+            <a:r>
+              <a:rPr lang="en-US" dirty="0" smtClean="0"/>
+              <a:t>Must allow </a:t>
+            </a:r>
+            <a:r>
+              <a:rPr lang="en-US" dirty="0"/>
+              <a:t>for future improvements</a:t>
+            </a:r>
+          </a:p>
+          <a:p>
+            <a:pPr>
+              <a:buClr>
+                <a:schemeClr val="bg1">
+                  <a:lumMod val="65000"/>
+                </a:schemeClr>
+              </a:buClr>
+            </a:pPr>
+            <a:endParaRPr lang="en-US" dirty="0"/>
+          </a:p>
+          <a:p>
+            <a:pPr>
+              <a:buClr>
+                <a:schemeClr val="bg1">
+                  <a:lumMod val="65000"/>
+                </a:schemeClr>
+              </a:buClr>
+            </a:pPr>
+            <a:endParaRPr lang="en-US" dirty="0"/>
+          </a:p>
+        </p:txBody>
+      </p:sp>
+    </p:spTree>
+    <p:extLst>
+      <p:ext uri="{BB962C8B-B14F-4D97-AF65-F5344CB8AC3E}">
+        <p14:creationId xmlns:p14="http://schemas.microsoft.com/office/powerpoint/2010/main" val="1399347030"/>
+      </p:ext>
+    </p:extLst>
+  </p:cSld>
+  <p:clrMapOvr>
+    <a:masterClrMapping/>
+  </p:clrMapOvr>
+  <mc:AlternateContent xmlns:mc="http://schemas.openxmlformats.org/markup-compatibility/2006" xmlns:p14="http://schemas.microsoft.com/office/powerpoint/2010/main">
+    <mc:Choice Requires="p14">
+      <p:transition spd="slow" p14:dur="2000"/>
+    </mc:Choice>
+    <mc:Fallback xmlns="">
+      <p:transition xmlns:p14="http://schemas.microsoft.com/office/powerpoint/2010/main" spd="slow"/>
+    </mc:Fallback>
+  </mc:AlternateContent>
+  <p:timing>
+    <p:tnLst>
+      <p:par>
+        <p:cTn xmlns:p14="http://schemas.microsoft.com/office/powerpoint/2010/main" id="1" dur="indefinite" restart="never" nodeType="tmRoot"/>
+      </p:par>
+    </p:tnLst>
+  </p:timing>
+</p:sld>
+</file>
+
 <file path=ppt/slides/slide4.xml><?xml version="1.0" encoding="utf-8"?>
 <p:sld xmlns:a="http://schemas.openxmlformats.org/drawingml/2006/main" xmlns:r="http://schemas.openxmlformats.org/officeDocument/2006/relationships" xmlns:p="http://schemas.openxmlformats.org/presentationml/2006/main">
   <p:cSld>
@@ -22386,429 +22853,6 @@
       </p:grpSpPr>
       <p:sp>
         <p:nvSpPr>
-          <p:cNvPr id="2" name="Title 1"/>
-          <p:cNvSpPr>
-            <a:spLocks noGrp="1"/>
-          </p:cNvSpPr>
-          <p:nvPr>
-            <p:ph type="title"/>
-          </p:nvPr>
-        </p:nvSpPr>
-        <p:spPr/>
-        <p:txBody>
-          <a:bodyPr>
-            <a:noAutofit/>
-          </a:bodyPr>
-          <a:lstStyle/>
-          <a:p>
-            <a:r>
-              <a:rPr lang="en-US" sz="3200" dirty="0" smtClean="0"/>
-              <a:t>Key </a:t>
-            </a:r>
-            <a:r>
-              <a:rPr lang="en-US" sz="3200" dirty="0" smtClean="0"/>
-              <a:t>Size </a:t>
-            </a:r>
-            <a:r>
-              <a:rPr lang="en-US" sz="3200" dirty="0"/>
-              <a:t>C</a:t>
-            </a:r>
-            <a:r>
-              <a:rPr lang="en-US" sz="3200" dirty="0" smtClean="0"/>
-              <a:t>riteria</a:t>
-            </a:r>
-            <a:r>
-              <a:rPr lang="en-US" sz="3200" dirty="0" smtClean="0"/>
-              <a:t>:</a:t>
-            </a:r>
-            <a:br>
-              <a:rPr lang="en-US" sz="3200" dirty="0" smtClean="0"/>
-            </a:br>
-            <a:r>
-              <a:rPr lang="en-US" sz="3200" dirty="0" smtClean="0"/>
-              <a:t>Symmetric vs. </a:t>
-            </a:r>
-            <a:r>
-              <a:rPr lang="en-US" sz="3200" dirty="0"/>
-              <a:t>A</a:t>
-            </a:r>
-            <a:r>
-              <a:rPr lang="en-US" sz="3200" dirty="0" smtClean="0"/>
-              <a:t>symmetric are Totally </a:t>
-            </a:r>
-            <a:r>
-              <a:rPr lang="en-US" sz="3200" dirty="0"/>
-              <a:t>D</a:t>
-            </a:r>
-            <a:r>
-              <a:rPr lang="en-US" sz="3200" dirty="0" smtClean="0"/>
-              <a:t>ifferent</a:t>
-            </a:r>
-            <a:endParaRPr lang="en-US" sz="3200" dirty="0"/>
-          </a:p>
-        </p:txBody>
-      </p:sp>
-      <p:sp>
-        <p:nvSpPr>
-          <p:cNvPr id="4" name="Text Placeholder 3"/>
-          <p:cNvSpPr>
-            <a:spLocks noGrp="1"/>
-          </p:cNvSpPr>
-          <p:nvPr>
-            <p:ph type="body" idx="1"/>
-          </p:nvPr>
-        </p:nvSpPr>
-        <p:spPr/>
-        <p:txBody>
-          <a:bodyPr/>
-          <a:lstStyle/>
-          <a:p>
-            <a:r>
-              <a:rPr lang="en-US" dirty="0" smtClean="0"/>
-              <a:t>Symmetric</a:t>
-            </a:r>
-            <a:endParaRPr lang="en-US" dirty="0"/>
-          </a:p>
-        </p:txBody>
-      </p:sp>
-      <p:sp>
-        <p:nvSpPr>
-          <p:cNvPr id="3" name="Content Placeholder 2"/>
-          <p:cNvSpPr>
-            <a:spLocks noGrp="1"/>
-          </p:cNvSpPr>
-          <p:nvPr>
-            <p:ph sz="half" idx="2"/>
-          </p:nvPr>
-        </p:nvSpPr>
-        <p:spPr>
-          <a:xfrm>
-            <a:off x="457200" y="1631155"/>
-            <a:ext cx="4187826" cy="3283745"/>
-          </a:xfrm>
-        </p:spPr>
-        <p:txBody>
-          <a:bodyPr>
-            <a:normAutofit fontScale="85000" lnSpcReduction="10000"/>
-          </a:bodyPr>
-          <a:lstStyle/>
-          <a:p>
-            <a:pPr>
-              <a:buClr>
-                <a:schemeClr val="bg1">
-                  <a:lumMod val="65000"/>
-                </a:schemeClr>
-              </a:buClr>
-            </a:pPr>
-            <a:r>
-              <a:rPr lang="en-US" dirty="0" smtClean="0"/>
-              <a:t>“</a:t>
-            </a:r>
-            <a:r>
-              <a:rPr lang="en-US" dirty="0"/>
-              <a:t>C</a:t>
-            </a:r>
-            <a:r>
-              <a:rPr lang="en-US" dirty="0" smtClean="0"/>
-              <a:t>oncrete security”</a:t>
-            </a:r>
-          </a:p>
-          <a:p>
-            <a:pPr>
-              <a:buClr>
-                <a:schemeClr val="bg1">
-                  <a:lumMod val="65000"/>
-                </a:schemeClr>
-              </a:buClr>
-            </a:pPr>
-            <a:endParaRPr lang="en-US" i="1" dirty="0" smtClean="0"/>
-          </a:p>
-          <a:p>
-            <a:pPr>
-              <a:buClr>
-                <a:schemeClr val="bg1">
-                  <a:lumMod val="65000"/>
-                </a:schemeClr>
-              </a:buClr>
-            </a:pPr>
-            <a:r>
-              <a:rPr lang="en-US" i="1" dirty="0" smtClean="0"/>
-              <a:t>Anything</a:t>
-            </a:r>
-            <a:r>
-              <a:rPr lang="en-US" dirty="0" smtClean="0"/>
-              <a:t> &lt; 2</a:t>
-            </a:r>
-            <a:r>
-              <a:rPr lang="en-US" baseline="30000" dirty="0" smtClean="0"/>
-              <a:t>k</a:t>
-            </a:r>
-            <a:r>
-              <a:rPr lang="en-US" dirty="0" smtClean="0"/>
-              <a:t> operations considered a “break”</a:t>
-            </a:r>
-            <a:endParaRPr lang="en-US" dirty="0"/>
-          </a:p>
-          <a:p>
-            <a:pPr>
-              <a:buClr>
-                <a:schemeClr val="bg1">
-                  <a:lumMod val="65000"/>
-                </a:schemeClr>
-              </a:buClr>
-            </a:pPr>
-            <a:endParaRPr lang="en-US" dirty="0" smtClean="0"/>
-          </a:p>
-          <a:p>
-            <a:pPr>
-              <a:buClr>
-                <a:schemeClr val="bg1">
-                  <a:lumMod val="65000"/>
-                </a:schemeClr>
-              </a:buClr>
-            </a:pPr>
-            <a:r>
-              <a:rPr lang="en-US" dirty="0" smtClean="0"/>
-              <a:t>128 bits enough for block ciphers </a:t>
-            </a:r>
-            <a:br>
-              <a:rPr lang="en-US" dirty="0" smtClean="0"/>
-            </a:br>
-            <a:r>
-              <a:rPr lang="en-US" dirty="0" smtClean="0"/>
-              <a:t>	despite Moore’s law</a:t>
-            </a:r>
-          </a:p>
-          <a:p>
-            <a:pPr>
-              <a:buClr>
-                <a:schemeClr val="bg1">
-                  <a:lumMod val="65000"/>
-                </a:schemeClr>
-              </a:buClr>
-            </a:pPr>
-            <a:endParaRPr lang="en-US" dirty="0" smtClean="0"/>
-          </a:p>
-          <a:p>
-            <a:pPr>
-              <a:buClr>
-                <a:schemeClr val="bg1">
-                  <a:lumMod val="65000"/>
-                </a:schemeClr>
-              </a:buClr>
-            </a:pPr>
-            <a:r>
-              <a:rPr lang="en-US" dirty="0" smtClean="0"/>
-              <a:t>For hash functions: twice as much 	due to “birthday attack”</a:t>
-            </a:r>
-          </a:p>
-        </p:txBody>
-      </p:sp>
-      <p:sp>
-        <p:nvSpPr>
-          <p:cNvPr id="5" name="Text Placeholder 4"/>
-          <p:cNvSpPr>
-            <a:spLocks noGrp="1"/>
-          </p:cNvSpPr>
-          <p:nvPr>
-            <p:ph type="body" sz="quarter" idx="3"/>
-          </p:nvPr>
-        </p:nvSpPr>
-        <p:spPr/>
-        <p:txBody>
-          <a:bodyPr/>
-          <a:lstStyle/>
-          <a:p>
-            <a:r>
-              <a:rPr lang="en-US" dirty="0" smtClean="0"/>
-              <a:t>Asymmetric</a:t>
-            </a:r>
-            <a:endParaRPr lang="en-US" dirty="0"/>
-          </a:p>
-        </p:txBody>
-      </p:sp>
-      <p:sp>
-        <p:nvSpPr>
-          <p:cNvPr id="6" name="Content Placeholder 5"/>
-          <p:cNvSpPr>
-            <a:spLocks noGrp="1"/>
-          </p:cNvSpPr>
-          <p:nvPr>
-            <p:ph sz="quarter" idx="4"/>
-          </p:nvPr>
-        </p:nvSpPr>
-        <p:spPr>
-          <a:xfrm>
-            <a:off x="4645026" y="1631156"/>
-            <a:ext cx="4270374" cy="2963466"/>
-          </a:xfrm>
-        </p:spPr>
-        <p:txBody>
-          <a:bodyPr>
-            <a:normAutofit fontScale="92500" lnSpcReduction="10000"/>
-          </a:bodyPr>
-          <a:lstStyle/>
-          <a:p>
-            <a:pPr>
-              <a:buClr>
-                <a:schemeClr val="bg1">
-                  <a:lumMod val="65000"/>
-                </a:schemeClr>
-              </a:buClr>
-            </a:pPr>
-            <a:r>
-              <a:rPr lang="en-US" dirty="0" smtClean="0"/>
-              <a:t>“Asymptotic security”</a:t>
-            </a:r>
-          </a:p>
-          <a:p>
-            <a:pPr>
-              <a:buClr>
-                <a:schemeClr val="bg1">
-                  <a:lumMod val="65000"/>
-                </a:schemeClr>
-              </a:buClr>
-            </a:pPr>
-            <a:endParaRPr lang="en-US" dirty="0" smtClean="0"/>
-          </a:p>
-          <a:p>
-            <a:pPr>
-              <a:buClr>
-                <a:schemeClr val="bg1">
-                  <a:lumMod val="65000"/>
-                </a:schemeClr>
-              </a:buClr>
-            </a:pPr>
-            <a:r>
-              <a:rPr lang="en-US" dirty="0" smtClean="0"/>
-              <a:t>Best </a:t>
-            </a:r>
-            <a:r>
-              <a:rPr lang="en-US" dirty="0"/>
-              <a:t>known attack keeps </a:t>
-            </a:r>
-            <a:r>
-              <a:rPr lang="en-US" dirty="0" smtClean="0"/>
-              <a:t>improving</a:t>
-            </a:r>
-          </a:p>
-          <a:p>
-            <a:pPr>
-              <a:buClr>
-                <a:schemeClr val="bg1">
-                  <a:lumMod val="65000"/>
-                </a:schemeClr>
-              </a:buClr>
-            </a:pPr>
-            <a:endParaRPr lang="en-US" dirty="0"/>
-          </a:p>
-          <a:p>
-            <a:pPr>
-              <a:buClr>
-                <a:schemeClr val="bg1">
-                  <a:lumMod val="65000"/>
-                </a:schemeClr>
-              </a:buClr>
-            </a:pPr>
-            <a:r>
-              <a:rPr lang="en-US" dirty="0" smtClean="0"/>
-              <a:t>Current </a:t>
-            </a:r>
-            <a:r>
-              <a:rPr lang="en-US" dirty="0"/>
-              <a:t>advice: 2048 bit </a:t>
-            </a:r>
-            <a:r>
-              <a:rPr lang="en-US" dirty="0" smtClean="0"/>
-              <a:t>key</a:t>
-            </a:r>
-          </a:p>
-          <a:p>
-            <a:pPr lvl="1">
-              <a:buClr>
-                <a:schemeClr val="bg1">
-                  <a:lumMod val="65000"/>
-                </a:schemeClr>
-              </a:buClr>
-            </a:pPr>
-            <a:r>
-              <a:rPr lang="en-US" dirty="0" smtClean="0"/>
-              <a:t>Must allow </a:t>
-            </a:r>
-            <a:r>
-              <a:rPr lang="en-US" dirty="0"/>
-              <a:t>for future improvements</a:t>
-            </a:r>
-          </a:p>
-          <a:p>
-            <a:pPr>
-              <a:buClr>
-                <a:schemeClr val="bg1">
-                  <a:lumMod val="65000"/>
-                </a:schemeClr>
-              </a:buClr>
-            </a:pPr>
-            <a:endParaRPr lang="en-US" dirty="0"/>
-          </a:p>
-          <a:p>
-            <a:pPr>
-              <a:buClr>
-                <a:schemeClr val="bg1">
-                  <a:lumMod val="65000"/>
-                </a:schemeClr>
-              </a:buClr>
-            </a:pPr>
-            <a:endParaRPr lang="en-US" dirty="0"/>
-          </a:p>
-        </p:txBody>
-      </p:sp>
-    </p:spTree>
-    <p:extLst>
-      <p:ext uri="{BB962C8B-B14F-4D97-AF65-F5344CB8AC3E}">
-        <p14:creationId xmlns:p14="http://schemas.microsoft.com/office/powerpoint/2010/main" val="1399347030"/>
-      </p:ext>
-    </p:extLst>
-  </p:cSld>
-  <p:clrMapOvr>
-    <a:masterClrMapping/>
-  </p:clrMapOvr>
-  <mc:AlternateContent xmlns:mc="http://schemas.openxmlformats.org/markup-compatibility/2006" xmlns:p14="http://schemas.microsoft.com/office/powerpoint/2010/main">
-    <mc:Choice Requires="p14">
-      <p:transition spd="slow" p14:dur="2000"/>
-    </mc:Choice>
-    <mc:Fallback xmlns="">
-      <p:transition xmlns:p14="http://schemas.microsoft.com/office/powerpoint/2010/main" spd="slow"/>
-    </mc:Fallback>
-  </mc:AlternateContent>
-  <p:timing>
-    <p:tnLst>
-      <p:par>
-        <p:cTn xmlns:p14="http://schemas.microsoft.com/office/powerpoint/2010/main" id="1" dur="indefinite" restart="never" nodeType="tmRoot"/>
-      </p:par>
-    </p:tnLst>
-  </p:timing>
-</p:sld>
-</file>
-
-<file path=ppt/slides/slide41.xml><?xml version="1.0" encoding="utf-8"?>
-<p:sld xmlns:a="http://schemas.openxmlformats.org/drawingml/2006/main" xmlns:r="http://schemas.openxmlformats.org/officeDocument/2006/relationships" xmlns:p="http://schemas.openxmlformats.org/presentationml/2006/main">
-  <p:cSld>
-    <p:spTree>
-      <p:nvGrpSpPr>
-        <p:cNvPr id="1" name=""/>
-        <p:cNvGrpSpPr/>
-        <p:nvPr/>
-      </p:nvGrpSpPr>
-      <p:grpSpPr>
-        <a:xfrm>
-          <a:off x="0" y="0"/>
-          <a:ext cx="0" cy="0"/>
-          <a:chOff x="0" y="0"/>
-          <a:chExt cx="0" cy="0"/>
-        </a:xfrm>
-      </p:grpSpPr>
-      <p:sp>
-        <p:nvSpPr>
           <p:cNvPr id="2" name="Content Placeholder 1"/>
           <p:cNvSpPr>
             <a:spLocks noGrp="1"/>
@@ -22933,7 +22977,7 @@
 </p:sld>
 </file>
 
-<file path=ppt/slides/slide42.xml><?xml version="1.0" encoding="utf-8"?>
+<file path=ppt/slides/slide41.xml><?xml version="1.0" encoding="utf-8"?>
 <p:sld xmlns:a="http://schemas.openxmlformats.org/drawingml/2006/main" xmlns:r="http://schemas.openxmlformats.org/officeDocument/2006/relationships" xmlns:p="http://schemas.openxmlformats.org/presentationml/2006/main">
   <p:cSld>
     <p:spTree>
@@ -23185,7 +23229,7 @@
 </p:sld>
 </file>
 
-<file path=ppt/slides/slide43.xml><?xml version="1.0" encoding="utf-8"?>
+<file path=ppt/slides/slide42.xml><?xml version="1.0" encoding="utf-8"?>
 <p:sld xmlns:a="http://schemas.openxmlformats.org/drawingml/2006/main" xmlns:r="http://schemas.openxmlformats.org/officeDocument/2006/relationships" xmlns:p="http://schemas.openxmlformats.org/presentationml/2006/main">
   <p:cSld>
     <p:spTree>
@@ -23418,7 +23462,7 @@
 </p:sld>
 </file>
 
-<file path=ppt/slides/slide44.xml><?xml version="1.0" encoding="utf-8"?>
+<file path=ppt/slides/slide43.xml><?xml version="1.0" encoding="utf-8"?>
 <p:sld xmlns:a="http://schemas.openxmlformats.org/drawingml/2006/main" xmlns:r="http://schemas.openxmlformats.org/officeDocument/2006/relationships" xmlns:p="http://schemas.openxmlformats.org/presentationml/2006/main">
   <p:cSld>
     <p:spTree>
@@ -23499,7 +23543,7 @@
 </p:sld>
 </file>
 
-<file path=ppt/slides/slide45.xml><?xml version="1.0" encoding="utf-8"?>
+<file path=ppt/slides/slide44.xml><?xml version="1.0" encoding="utf-8"?>
 <p:sld xmlns:a="http://schemas.openxmlformats.org/drawingml/2006/main" xmlns:r="http://schemas.openxmlformats.org/officeDocument/2006/relationships" xmlns:p="http://schemas.openxmlformats.org/presentationml/2006/main">
   <p:cSld>
     <p:spTree>
@@ -23879,7 +23923,7 @@
 </p:sld>
 </file>
 
-<file path=ppt/slides/slide46.xml><?xml version="1.0" encoding="utf-8"?>
+<file path=ppt/slides/slide45.xml><?xml version="1.0" encoding="utf-8"?>
 <p:sld xmlns:a="http://schemas.openxmlformats.org/drawingml/2006/main" xmlns:r="http://schemas.openxmlformats.org/officeDocument/2006/relationships" xmlns:p="http://schemas.openxmlformats.org/presentationml/2006/main" show="0">
   <p:cSld>
     <p:spTree>
@@ -24069,7 +24113,7 @@
 </p:sld>
 </file>
 
-<file path=ppt/slides/slide47.xml><?xml version="1.0" encoding="utf-8"?>
+<file path=ppt/slides/slide46.xml><?xml version="1.0" encoding="utf-8"?>
 <p:sld xmlns:a="http://schemas.openxmlformats.org/drawingml/2006/main" xmlns:r="http://schemas.openxmlformats.org/officeDocument/2006/relationships" xmlns:p="http://schemas.openxmlformats.org/presentationml/2006/main" show="0">
   <p:cSld>
     <p:spTree>
@@ -24470,7 +24514,7 @@
 </p:sld>
 </file>
 
-<file path=ppt/slides/slide48.xml><?xml version="1.0" encoding="utf-8"?>
+<file path=ppt/slides/slide47.xml><?xml version="1.0" encoding="utf-8"?>
 <p:sld xmlns:a="http://schemas.openxmlformats.org/drawingml/2006/main" xmlns:r="http://schemas.openxmlformats.org/officeDocument/2006/relationships" xmlns:p="http://schemas.openxmlformats.org/presentationml/2006/main" show="0">
   <p:cSld>
     <p:spTree>
@@ -24541,7 +24585,7 @@
 </p:sld>
 </file>
 
-<file path=ppt/slides/slide49.xml><?xml version="1.0" encoding="utf-8"?>
+<file path=ppt/slides/slide48.xml><?xml version="1.0" encoding="utf-8"?>
 <p:sld xmlns:a="http://schemas.openxmlformats.org/drawingml/2006/main" xmlns:r="http://schemas.openxmlformats.org/officeDocument/2006/relationships" xmlns:p="http://schemas.openxmlformats.org/presentationml/2006/main" show="0">
   <p:cSld>
     <p:spTree>
@@ -24626,6 +24670,471 @@
 </p:sld>
 </file>
 
+<file path=ppt/slides/slide49.xml><?xml version="1.0" encoding="utf-8"?>
+<p:sld xmlns:a="http://schemas.openxmlformats.org/drawingml/2006/main" xmlns:r="http://schemas.openxmlformats.org/officeDocument/2006/relationships" xmlns:p="http://schemas.openxmlformats.org/presentationml/2006/main" show="0">
+  <p:cSld>
+    <p:spTree>
+      <p:nvGrpSpPr>
+        <p:cNvPr id="1" name=""/>
+        <p:cNvGrpSpPr/>
+        <p:nvPr/>
+      </p:nvGrpSpPr>
+      <p:grpSpPr>
+        <a:xfrm>
+          <a:off x="0" y="0"/>
+          <a:ext cx="0" cy="0"/>
+          <a:chOff x="0" y="0"/>
+          <a:chExt cx="0" cy="0"/>
+        </a:xfrm>
+      </p:grpSpPr>
+      <p:sp>
+        <p:nvSpPr>
+          <p:cNvPr id="2" name="Content Placeholder 1"/>
+          <p:cNvSpPr>
+            <a:spLocks noGrp="1"/>
+          </p:cNvSpPr>
+          <p:nvPr>
+            <p:ph idx="1"/>
+          </p:nvPr>
+        </p:nvSpPr>
+        <p:spPr>
+          <a:xfrm>
+            <a:off x="457200" y="214315"/>
+            <a:ext cx="8229600" cy="4369232"/>
+          </a:xfrm>
+        </p:spPr>
+        <p:txBody>
+          <a:bodyPr>
+            <a:normAutofit fontScale="62500" lnSpcReduction="20000"/>
+          </a:bodyPr>
+          <a:lstStyle/>
+          <a:p>
+            <a:pPr algn="ctr"/>
+            <a:r>
+              <a:rPr lang="en-US" sz="5100" b="1" dirty="0" smtClean="0">
+                <a:solidFill>
+                  <a:srgbClr val="000000"/>
+                </a:solidFill>
+              </a:rPr>
+              <a:t>How RSA Works</a:t>
+            </a:r>
+          </a:p>
+          <a:p>
+            <a:pPr algn="ctr"/>
+            <a:endParaRPr lang="en-US" b="1" dirty="0" smtClean="0">
+              <a:solidFill>
+                <a:srgbClr val="000000"/>
+              </a:solidFill>
+            </a:endParaRPr>
+          </a:p>
+          <a:p>
+            <a:pPr>
+              <a:spcBef>
+                <a:spcPts val="1200"/>
+              </a:spcBef>
+            </a:pPr>
+            <a:r>
+              <a:rPr lang="en-US" sz="2800" b="1" dirty="0" smtClean="0"/>
+              <a:t>Key generation:</a:t>
+            </a:r>
+          </a:p>
+          <a:p>
+            <a:pPr marL="971550" lvl="1" indent="-514350">
+              <a:buFont typeface="+mj-lt"/>
+              <a:buAutoNum type="arabicPeriod"/>
+            </a:pPr>
+            <a:r>
+              <a:rPr lang="en-US" sz="2600" dirty="0" smtClean="0"/>
+              <a:t>Pick large (say, 1024 bits) </a:t>
+            </a:r>
+            <a:br>
+              <a:rPr lang="en-US" sz="2600" dirty="0" smtClean="0"/>
+            </a:br>
+            <a:r>
+              <a:rPr lang="en-US" sz="2600" dirty="0" smtClean="0"/>
+              <a:t>random primes </a:t>
+            </a:r>
+            <a:r>
+              <a:rPr lang="en-US" sz="2600" b="1" dirty="0" smtClean="0"/>
+              <a:t>p</a:t>
+            </a:r>
+            <a:r>
+              <a:rPr lang="en-US" sz="2600" dirty="0" smtClean="0"/>
+              <a:t> and </a:t>
+            </a:r>
+            <a:r>
+              <a:rPr lang="en-US" sz="2600" b="1" dirty="0" smtClean="0"/>
+              <a:t>q</a:t>
+            </a:r>
+            <a:endParaRPr lang="en-US" sz="2600" dirty="0" smtClean="0"/>
+          </a:p>
+          <a:p>
+            <a:pPr marL="971550" lvl="1" indent="-514350">
+              <a:buFont typeface="+mj-lt"/>
+              <a:buAutoNum type="arabicPeriod"/>
+            </a:pPr>
+            <a:r>
+              <a:rPr lang="en-US" sz="2600" dirty="0" smtClean="0"/>
+              <a:t>Compute </a:t>
+            </a:r>
+            <a:r>
+              <a:rPr lang="en-US" sz="2600" b="1" dirty="0" smtClean="0"/>
+              <a:t>N</a:t>
+            </a:r>
+            <a:r>
+              <a:rPr lang="en-US" sz="2600" dirty="0" smtClean="0"/>
+              <a:t> := </a:t>
+            </a:r>
+            <a:r>
+              <a:rPr lang="en-US" sz="2600" b="1" dirty="0" smtClean="0"/>
+              <a:t>pq</a:t>
+            </a:r>
+            <a:br>
+              <a:rPr lang="en-US" sz="2600" b="1" dirty="0" smtClean="0"/>
+            </a:br>
+            <a:r>
+              <a:rPr lang="en-US" sz="2600" dirty="0" smtClean="0"/>
+              <a:t>(RSA uses multiplication mod </a:t>
+            </a:r>
+            <a:r>
+              <a:rPr lang="en-US" sz="2600" b="1" dirty="0" smtClean="0"/>
+              <a:t>N</a:t>
+            </a:r>
+            <a:r>
+              <a:rPr lang="en-US" sz="2600" dirty="0" smtClean="0"/>
+              <a:t>)</a:t>
+            </a:r>
+          </a:p>
+          <a:p>
+            <a:pPr marL="971550" lvl="1" indent="-514350">
+              <a:buFont typeface="+mj-lt"/>
+              <a:buAutoNum type="arabicPeriod"/>
+            </a:pPr>
+            <a:r>
+              <a:rPr lang="en-US" sz="2600" dirty="0" smtClean="0"/>
+              <a:t>Pick </a:t>
+            </a:r>
+            <a:r>
+              <a:rPr lang="en-US" sz="2600" b="1" dirty="0" smtClean="0"/>
+              <a:t>e</a:t>
+            </a:r>
+            <a:r>
+              <a:rPr lang="en-US" sz="2600" dirty="0" smtClean="0"/>
+              <a:t> to be relatively prime to </a:t>
+            </a:r>
+            <a:br>
+              <a:rPr lang="en-US" sz="2600" dirty="0" smtClean="0"/>
+            </a:br>
+            <a:r>
+              <a:rPr lang="en-US" sz="2600" dirty="0" smtClean="0"/>
+              <a:t>(</a:t>
+            </a:r>
+            <a:r>
+              <a:rPr lang="en-US" sz="2600" b="1" dirty="0" smtClean="0"/>
+              <a:t>p</a:t>
+            </a:r>
+            <a:r>
+              <a:rPr lang="en-US" sz="2600" dirty="0" smtClean="0"/>
+              <a:t>-1)(</a:t>
+            </a:r>
+            <a:r>
+              <a:rPr lang="en-US" sz="2600" b="1" dirty="0" smtClean="0"/>
+              <a:t>q</a:t>
+            </a:r>
+            <a:r>
+              <a:rPr lang="en-US" sz="2600" dirty="0" smtClean="0"/>
+              <a:t>-1)</a:t>
+            </a:r>
+          </a:p>
+          <a:p>
+            <a:pPr marL="971550" lvl="1" indent="-514350">
+              <a:buFont typeface="+mj-lt"/>
+              <a:buAutoNum type="arabicPeriod"/>
+            </a:pPr>
+            <a:r>
+              <a:rPr lang="en-US" sz="2600" dirty="0" smtClean="0"/>
+              <a:t>Find </a:t>
+            </a:r>
+            <a:r>
+              <a:rPr lang="en-US" sz="2600" b="1" dirty="0" smtClean="0"/>
+              <a:t>d</a:t>
+            </a:r>
+            <a:r>
+              <a:rPr lang="en-US" sz="2600" dirty="0" smtClean="0"/>
+              <a:t> so that </a:t>
+            </a:r>
+            <a:r>
+              <a:rPr lang="en-US" sz="2600" b="1" dirty="0" smtClean="0"/>
+              <a:t>ed</a:t>
+            </a:r>
+            <a:r>
+              <a:rPr lang="en-US" sz="2600" dirty="0" smtClean="0"/>
+              <a:t> mod (</a:t>
+            </a:r>
+            <a:r>
+              <a:rPr lang="en-US" sz="2600" b="1" dirty="0" smtClean="0"/>
+              <a:t>p</a:t>
+            </a:r>
+            <a:r>
+              <a:rPr lang="en-US" sz="2600" dirty="0" smtClean="0"/>
+              <a:t>-1)(</a:t>
+            </a:r>
+            <a:r>
+              <a:rPr lang="en-US" sz="2600" b="1" dirty="0" smtClean="0"/>
+              <a:t>q</a:t>
+            </a:r>
+            <a:r>
+              <a:rPr lang="en-US" sz="2600" dirty="0" smtClean="0"/>
+              <a:t>-1) = 1</a:t>
+            </a:r>
+            <a:endParaRPr lang="en-US" sz="2600" b="1" dirty="0" smtClean="0"/>
+          </a:p>
+          <a:p>
+            <a:pPr marL="971550" lvl="1" indent="-514350">
+              <a:buFont typeface="+mj-lt"/>
+              <a:buAutoNum type="arabicPeriod"/>
+              <a:tabLst>
+                <a:tab pos="2290763" algn="l"/>
+                <a:tab pos="3887788" algn="l"/>
+              </a:tabLst>
+            </a:pPr>
+            <a:r>
+              <a:rPr lang="en-US" sz="2600" dirty="0" smtClean="0"/>
+              <a:t>Finally: 	</a:t>
+            </a:r>
+            <a:r>
+              <a:rPr lang="en-US" sz="2600" b="1" dirty="0" smtClean="0"/>
+              <a:t>Public key</a:t>
+            </a:r>
+            <a:r>
+              <a:rPr lang="en-US" sz="2600" dirty="0" smtClean="0"/>
+              <a:t> 	is  </a:t>
+            </a:r>
+            <a:r>
+              <a:rPr lang="en-US" sz="2600" dirty="0" smtClean="0">
+                <a:solidFill>
+                  <a:schemeClr val="accent1"/>
+                </a:solidFill>
+              </a:rPr>
+              <a:t>(</a:t>
+            </a:r>
+            <a:r>
+              <a:rPr lang="en-US" sz="2600" b="1" dirty="0" err="1" smtClean="0">
+                <a:solidFill>
+                  <a:schemeClr val="accent1"/>
+                </a:solidFill>
+              </a:rPr>
+              <a:t>e</a:t>
+            </a:r>
+            <a:r>
+              <a:rPr lang="en-US" sz="2600" dirty="0" err="1" smtClean="0">
+                <a:solidFill>
+                  <a:schemeClr val="accent1"/>
+                </a:solidFill>
+              </a:rPr>
+              <a:t>,</a:t>
+            </a:r>
+            <a:r>
+              <a:rPr lang="en-US" sz="2600" b="1" dirty="0" err="1" smtClean="0">
+                <a:solidFill>
+                  <a:schemeClr val="accent1"/>
+                </a:solidFill>
+              </a:rPr>
+              <a:t>N</a:t>
+            </a:r>
+            <a:r>
+              <a:rPr lang="en-US" sz="2600" dirty="0" smtClean="0">
+                <a:solidFill>
+                  <a:schemeClr val="accent1"/>
+                </a:solidFill>
+              </a:rPr>
+              <a:t>)</a:t>
+            </a:r>
+            <a:r>
+              <a:rPr lang="en-US" sz="2600" dirty="0" smtClean="0"/>
+              <a:t/>
+            </a:r>
+            <a:br>
+              <a:rPr lang="en-US" sz="2600" dirty="0" smtClean="0"/>
+            </a:br>
+            <a:r>
+              <a:rPr lang="en-US" sz="2600" dirty="0" smtClean="0"/>
+              <a:t> 	</a:t>
+            </a:r>
+            <a:r>
+              <a:rPr lang="en-US" sz="2600" b="1" dirty="0" smtClean="0"/>
+              <a:t>Private key</a:t>
+            </a:r>
+            <a:r>
+              <a:rPr lang="en-US" sz="2600" dirty="0" smtClean="0"/>
+              <a:t>	is  </a:t>
+            </a:r>
+            <a:r>
+              <a:rPr lang="en-US" sz="2600" dirty="0" smtClean="0">
+                <a:solidFill>
+                  <a:schemeClr val="accent1"/>
+                </a:solidFill>
+              </a:rPr>
+              <a:t>(</a:t>
+            </a:r>
+            <a:r>
+              <a:rPr lang="en-US" sz="2600" b="1" dirty="0" err="1" smtClean="0">
+                <a:solidFill>
+                  <a:schemeClr val="accent1"/>
+                </a:solidFill>
+              </a:rPr>
+              <a:t>d</a:t>
+            </a:r>
+            <a:r>
+              <a:rPr lang="en-US" sz="2600" dirty="0" err="1" smtClean="0">
+                <a:solidFill>
+                  <a:schemeClr val="accent1"/>
+                </a:solidFill>
+              </a:rPr>
+              <a:t>,</a:t>
+            </a:r>
+            <a:r>
+              <a:rPr lang="en-US" sz="2600" b="1" dirty="0" err="1" smtClean="0">
+                <a:solidFill>
+                  <a:schemeClr val="accent1"/>
+                </a:solidFill>
+              </a:rPr>
+              <a:t>N</a:t>
+            </a:r>
+            <a:r>
+              <a:rPr lang="en-US" sz="2600" dirty="0" smtClean="0">
+                <a:solidFill>
+                  <a:schemeClr val="accent1"/>
+                </a:solidFill>
+              </a:rPr>
+              <a:t>)</a:t>
+            </a:r>
+          </a:p>
+          <a:p>
+            <a:pPr>
+              <a:tabLst>
+                <a:tab pos="2000250" algn="l"/>
+                <a:tab pos="2682875" algn="l"/>
+              </a:tabLst>
+            </a:pPr>
+            <a:r>
+              <a:rPr lang="en-US" sz="2800" b="1" dirty="0" smtClean="0"/>
+              <a:t>To encrypt:</a:t>
+            </a:r>
+            <a:r>
+              <a:rPr lang="en-US" sz="2800" dirty="0" smtClean="0"/>
+              <a:t> 	</a:t>
+            </a:r>
+            <a:r>
+              <a:rPr lang="en-US" sz="2800" b="1" i="1" dirty="0" smtClean="0"/>
+              <a:t>E</a:t>
+            </a:r>
+            <a:r>
+              <a:rPr lang="en-US" sz="2800" dirty="0" smtClean="0"/>
+              <a:t>(</a:t>
+            </a:r>
+            <a:r>
+              <a:rPr lang="en-US" sz="2800" b="1" dirty="0" smtClean="0"/>
+              <a:t>x</a:t>
+            </a:r>
+            <a:r>
+              <a:rPr lang="en-US" sz="2800" dirty="0" smtClean="0"/>
+              <a:t>)	= </a:t>
+            </a:r>
+            <a:r>
+              <a:rPr lang="en-US" sz="2800" b="1" dirty="0" err="1" smtClean="0"/>
+              <a:t>x</a:t>
+            </a:r>
+            <a:r>
+              <a:rPr lang="en-US" sz="2800" b="1" baseline="30000" dirty="0" err="1" smtClean="0"/>
+              <a:t>e</a:t>
+            </a:r>
+            <a:r>
+              <a:rPr lang="en-US" sz="2800" dirty="0" smtClean="0"/>
+              <a:t> mod </a:t>
+            </a:r>
+            <a:r>
+              <a:rPr lang="en-US" sz="2800" b="1" dirty="0" smtClean="0"/>
+              <a:t>N</a:t>
+            </a:r>
+            <a:r>
+              <a:rPr lang="en-US" sz="2800" dirty="0" smtClean="0"/>
+              <a:t/>
+            </a:r>
+            <a:br>
+              <a:rPr lang="en-US" sz="2800" dirty="0" smtClean="0"/>
+            </a:br>
+            <a:r>
+              <a:rPr lang="en-US" sz="2800" b="1" dirty="0" smtClean="0"/>
+              <a:t>To decrypt:</a:t>
+            </a:r>
+            <a:r>
+              <a:rPr lang="en-US" sz="2800" dirty="0" smtClean="0"/>
+              <a:t> 	</a:t>
+            </a:r>
+            <a:r>
+              <a:rPr lang="en-US" sz="2800" b="1" i="1" dirty="0" smtClean="0"/>
+              <a:t>D</a:t>
+            </a:r>
+            <a:r>
+              <a:rPr lang="en-US" sz="2800" dirty="0" smtClean="0"/>
+              <a:t>(</a:t>
+            </a:r>
+            <a:r>
+              <a:rPr lang="en-US" sz="2800" b="1" dirty="0" smtClean="0"/>
+              <a:t>x</a:t>
+            </a:r>
+            <a:r>
+              <a:rPr lang="en-US" sz="2800" dirty="0" smtClean="0"/>
+              <a:t>)	= </a:t>
+            </a:r>
+            <a:r>
+              <a:rPr lang="en-US" sz="2800" b="1" dirty="0" err="1" smtClean="0"/>
+              <a:t>x</a:t>
+            </a:r>
+            <a:r>
+              <a:rPr lang="en-US" sz="2800" b="1" baseline="30000" dirty="0" err="1" smtClean="0"/>
+              <a:t>d</a:t>
+            </a:r>
+            <a:r>
+              <a:rPr lang="en-US" sz="2800" dirty="0" smtClean="0"/>
+              <a:t> mod </a:t>
+            </a:r>
+            <a:r>
+              <a:rPr lang="en-US" sz="2800" b="1" dirty="0" smtClean="0"/>
+              <a:t>N</a:t>
+            </a:r>
+          </a:p>
+        </p:txBody>
+      </p:sp>
+    </p:spTree>
+    <p:extLst>
+      <p:ext uri="{BB962C8B-B14F-4D97-AF65-F5344CB8AC3E}">
+        <p14:creationId xmlns:p14="http://schemas.microsoft.com/office/powerpoint/2010/main" val="3023362499"/>
+      </p:ext>
+    </p:extLst>
+  </p:cSld>
+  <p:clrMapOvr>
+    <a:masterClrMapping/>
+  </p:clrMapOvr>
+  <mc:AlternateContent xmlns:mc="http://schemas.openxmlformats.org/markup-compatibility/2006">
+    <mc:Choice xmlns:p14="http://schemas.microsoft.com/office/powerpoint/2010/main" Requires="p14">
+      <p:transition spd="slow" p14:dur="2000"/>
+    </mc:Choice>
+    <mc:Fallback>
+      <p:transition xmlns:p14="http://schemas.microsoft.com/office/powerpoint/2010/main" spd="slow"/>
+    </mc:Fallback>
+  </mc:AlternateContent>
+  <p:timing>
+    <p:tnLst>
+      <p:par>
+        <p:cTn xmlns:p14="http://schemas.microsoft.com/office/powerpoint/2010/main" id="1" dur="indefinite" restart="never" nodeType="tmRoot"/>
+      </p:par>
+    </p:tnLst>
+  </p:timing>
+</p:sld>
+</file>
+
 <file path=ppt/slides/slide5.xml><?xml version="1.0" encoding="utf-8"?>
 <p:sld xmlns:a="http://schemas.openxmlformats.org/drawingml/2006/main" xmlns:r="http://schemas.openxmlformats.org/officeDocument/2006/relationships" xmlns:p="http://schemas.openxmlformats.org/presentationml/2006/main">
   <p:cSld>
@@ -24848,6 +25357,13 @@
   <p:clrMapOvr>
     <a:masterClrMapping/>
   </p:clrMapOvr>
+  <p:timing>
+    <p:tnLst>
+      <p:par>
+        <p:cTn xmlns:p14="http://schemas.microsoft.com/office/powerpoint/2010/main" id="1" dur="indefinite" restart="never" nodeType="tmRoot"/>
+      </p:par>
+    </p:tnLst>
+  </p:timing>
 </p:sld>
 </file>
 
@@ -24881,409 +25397,196 @@
         <p:spPr>
           <a:xfrm>
             <a:off x="457200" y="214315"/>
-            <a:ext cx="8229600" cy="4369232"/>
+            <a:ext cx="8229600" cy="4629149"/>
           </a:xfrm>
         </p:spPr>
         <p:txBody>
           <a:bodyPr>
-            <a:normAutofit fontScale="62500" lnSpcReduction="20000"/>
+            <a:normAutofit fontScale="70000" lnSpcReduction="20000"/>
           </a:bodyPr>
           <a:lstStyle/>
           <a:p>
-            <a:pPr algn="ctr"/>
-            <a:r>
-              <a:rPr lang="en-US" sz="5100" b="1" dirty="0" smtClean="0">
-                <a:solidFill>
-                  <a:srgbClr val="000000"/>
-                </a:solidFill>
-              </a:rPr>
-              <a:t>How RSA Works</a:t>
-            </a:r>
-          </a:p>
-          <a:p>
-            <a:pPr algn="ctr"/>
-            <a:endParaRPr lang="en-US" b="1" dirty="0" smtClean="0">
-              <a:solidFill>
-                <a:srgbClr val="000000"/>
-              </a:solidFill>
-            </a:endParaRPr>
-          </a:p>
-          <a:p>
-            <a:pPr>
+            <a:r>
+              <a:rPr lang="en-US" sz="3000" b="1" dirty="0" smtClean="0"/>
+              <a:t>Issue:  How big should keys be?</a:t>
+            </a:r>
+          </a:p>
+          <a:p>
+            <a:pPr marL="285750" lvl="1">
               <a:spcBef>
                 <a:spcPts val="1200"/>
               </a:spcBef>
+              <a:buNone/>
             </a:pPr>
             <a:r>
-              <a:rPr lang="en-US" sz="2800" b="1" dirty="0" smtClean="0"/>
-              <a:t>Key generation:</a:t>
-            </a:r>
-          </a:p>
-          <a:p>
-            <a:pPr marL="971550" lvl="1" indent="-514350">
-              <a:buFont typeface="+mj-lt"/>
-              <a:buAutoNum type="arabicPeriod"/>
+              <a:rPr lang="en-US" sz="2400" dirty="0" smtClean="0"/>
+              <a:t>Want prob. of guessing to be infinitesimal… but watch out for Moore’s law – safe size gets </a:t>
+            </a:r>
+            <a:br>
+              <a:rPr lang="en-US" sz="2400" dirty="0" smtClean="0"/>
+            </a:br>
+            <a:r>
+              <a:rPr lang="en-US" sz="2400" dirty="0" smtClean="0"/>
+              <a:t>1 bit larger every 18 months</a:t>
+            </a:r>
+          </a:p>
+          <a:p>
+            <a:pPr marL="285750" lvl="1">
+              <a:buNone/>
             </a:pPr>
             <a:r>
-              <a:rPr lang="en-US" sz="2600" dirty="0" smtClean="0"/>
-              <a:t>Pick large (say, 1024 bits) </a:t>
+              <a:rPr lang="en-US" sz="2400" dirty="0" smtClean="0"/>
+              <a:t>128 bits usually safe for ciphers/PRGs</a:t>
+            </a:r>
+          </a:p>
+          <a:p>
+            <a:r>
+              <a:rPr lang="en-US" sz="3000" dirty="0" smtClean="0"/>
+              <a:t>Need larger values for MACs/PRFs </a:t>
             </a:r>
             <a:br>
-              <a:rPr lang="en-US" sz="2600" dirty="0" smtClean="0"/>
+              <a:rPr lang="en-US" sz="3000" dirty="0" smtClean="0"/>
             </a:br>
             <a:r>
-              <a:rPr lang="en-US" sz="2600" dirty="0" smtClean="0"/>
-              <a:t>random primes </a:t>
-            </a:r>
-            <a:r>
-              <a:rPr lang="en-US" sz="2600" b="1" dirty="0" smtClean="0"/>
-              <a:t>p</a:t>
-            </a:r>
-            <a:r>
-              <a:rPr lang="en-US" sz="2600" dirty="0" smtClean="0"/>
-              <a:t> and </a:t>
-            </a:r>
-            <a:r>
-              <a:rPr lang="en-US" sz="2600" b="1" dirty="0" smtClean="0"/>
-              <a:t>q</a:t>
-            </a:r>
-            <a:endParaRPr lang="en-US" sz="2600" dirty="0" smtClean="0"/>
-          </a:p>
-          <a:p>
-            <a:pPr marL="971550" lvl="1" indent="-514350">
-              <a:buFont typeface="+mj-lt"/>
-              <a:buAutoNum type="arabicPeriod"/>
-            </a:pPr>
-            <a:r>
-              <a:rPr lang="en-US" sz="2600" dirty="0" smtClean="0"/>
-              <a:t>Compute </a:t>
-            </a:r>
-            <a:r>
-              <a:rPr lang="en-US" sz="2600" b="1" dirty="0" smtClean="0"/>
-              <a:t>N</a:t>
-            </a:r>
-            <a:r>
-              <a:rPr lang="en-US" sz="2600" dirty="0" smtClean="0"/>
-              <a:t> := </a:t>
-            </a:r>
-            <a:r>
-              <a:rPr lang="en-US" sz="2600" b="1" dirty="0" smtClean="0"/>
-              <a:t>pq</a:t>
-            </a:r>
-            <a:br>
-              <a:rPr lang="en-US" sz="2600" b="1" dirty="0" smtClean="0"/>
-            </a:br>
-            <a:r>
-              <a:rPr lang="en-US" sz="2600" dirty="0" smtClean="0"/>
-              <a:t>(RSA uses multiplication mod </a:t>
-            </a:r>
-            <a:r>
-              <a:rPr lang="en-US" sz="2600" b="1" dirty="0" smtClean="0"/>
-              <a:t>N</a:t>
-            </a:r>
-            <a:r>
-              <a:rPr lang="en-US" sz="2600" dirty="0" smtClean="0"/>
-              <a:t>)</a:t>
-            </a:r>
-          </a:p>
-          <a:p>
-            <a:pPr marL="971550" lvl="1" indent="-514350">
-              <a:buFont typeface="+mj-lt"/>
-              <a:buAutoNum type="arabicPeriod"/>
-            </a:pPr>
-            <a:r>
-              <a:rPr lang="en-US" sz="2600" dirty="0" smtClean="0"/>
-              <a:t>Pick </a:t>
-            </a:r>
-            <a:r>
-              <a:rPr lang="en-US" sz="2600" b="1" dirty="0" smtClean="0"/>
-              <a:t>e</a:t>
-            </a:r>
-            <a:r>
-              <a:rPr lang="en-US" sz="2600" dirty="0" smtClean="0"/>
-              <a:t> to be relatively prime to </a:t>
-            </a:r>
-            <a:br>
-              <a:rPr lang="en-US" sz="2600" dirty="0" smtClean="0"/>
-            </a:br>
-            <a:r>
-              <a:rPr lang="en-US" sz="2600" dirty="0" smtClean="0"/>
-              <a:t>(</a:t>
-            </a:r>
-            <a:r>
-              <a:rPr lang="en-US" sz="2600" b="1" dirty="0" smtClean="0"/>
-              <a:t>p</a:t>
-            </a:r>
-            <a:r>
-              <a:rPr lang="en-US" sz="2600" dirty="0" smtClean="0"/>
-              <a:t>-1)(</a:t>
-            </a:r>
-            <a:r>
-              <a:rPr lang="en-US" sz="2600" b="1" dirty="0" smtClean="0"/>
-              <a:t>q</a:t>
-            </a:r>
-            <a:r>
-              <a:rPr lang="en-US" sz="2600" dirty="0" smtClean="0"/>
-              <a:t>-1)</a:t>
-            </a:r>
-          </a:p>
-          <a:p>
-            <a:pPr marL="971550" lvl="1" indent="-514350">
-              <a:buFont typeface="+mj-lt"/>
-              <a:buAutoNum type="arabicPeriod"/>
-            </a:pPr>
-            <a:r>
-              <a:rPr lang="en-US" sz="2600" dirty="0" smtClean="0"/>
-              <a:t>Find </a:t>
-            </a:r>
-            <a:r>
-              <a:rPr lang="en-US" sz="2600" b="1" dirty="0" smtClean="0"/>
-              <a:t>d</a:t>
-            </a:r>
-            <a:r>
-              <a:rPr lang="en-US" sz="2600" dirty="0" smtClean="0"/>
-              <a:t> so that </a:t>
-            </a:r>
-            <a:r>
-              <a:rPr lang="en-US" sz="2600" b="1" dirty="0" smtClean="0"/>
-              <a:t>ed</a:t>
-            </a:r>
-            <a:r>
-              <a:rPr lang="en-US" sz="2600" dirty="0" smtClean="0"/>
-              <a:t> mod (</a:t>
-            </a:r>
-            <a:r>
-              <a:rPr lang="en-US" sz="2600" b="1" dirty="0" smtClean="0"/>
-              <a:t>p</a:t>
-            </a:r>
-            <a:r>
-              <a:rPr lang="en-US" sz="2600" dirty="0" smtClean="0"/>
-              <a:t>-1)(</a:t>
-            </a:r>
-            <a:r>
-              <a:rPr lang="en-US" sz="2600" b="1" dirty="0" smtClean="0"/>
-              <a:t>q</a:t>
-            </a:r>
-            <a:r>
-              <a:rPr lang="en-US" sz="2600" dirty="0" smtClean="0"/>
-              <a:t>-1) = 1</a:t>
-            </a:r>
-            <a:endParaRPr lang="en-US" sz="2600" b="1" dirty="0" smtClean="0"/>
-          </a:p>
-          <a:p>
-            <a:pPr marL="971550" lvl="1" indent="-514350">
-              <a:buFont typeface="+mj-lt"/>
-              <a:buAutoNum type="arabicPeriod"/>
-              <a:tabLst>
-                <a:tab pos="2290763" algn="l"/>
-                <a:tab pos="3887788" algn="l"/>
-              </a:tabLst>
-            </a:pPr>
-            <a:r>
-              <a:rPr lang="en-US" sz="2600" dirty="0" smtClean="0"/>
-              <a:t>Finally: 	</a:t>
-            </a:r>
-            <a:r>
-              <a:rPr lang="en-US" sz="2600" b="1" dirty="0" smtClean="0"/>
-              <a:t>Public key</a:t>
-            </a:r>
-            <a:r>
-              <a:rPr lang="en-US" sz="2600" dirty="0" smtClean="0"/>
-              <a:t> 	is  </a:t>
-            </a:r>
-            <a:r>
-              <a:rPr lang="en-US" sz="2600" dirty="0" smtClean="0">
+              <a:rPr lang="en-US" sz="3000" dirty="0" smtClean="0"/>
+              <a:t>due to </a:t>
+            </a:r>
+            <a:r>
+              <a:rPr lang="en-US" sz="3000" b="1" dirty="0" smtClean="0">
                 <a:solidFill>
                   <a:schemeClr val="accent1"/>
                 </a:solidFill>
               </a:rPr>
-              <a:t>(</a:t>
-            </a:r>
-            <a:r>
-              <a:rPr lang="en-US" sz="2600" b="1" dirty="0" err="1" smtClean="0">
+              <a:t>birthday attack</a:t>
+            </a:r>
+          </a:p>
+          <a:p>
+            <a:pPr lvl="1">
+              <a:buNone/>
+            </a:pPr>
+            <a:r>
+              <a:rPr lang="en-US" sz="2400" dirty="0" smtClean="0"/>
+              <a:t>Often trouble if adversary can find </a:t>
+            </a:r>
+            <a:br>
+              <a:rPr lang="en-US" sz="2400" dirty="0" smtClean="0"/>
+            </a:br>
+            <a:r>
+              <a:rPr lang="en-US" sz="2400" u="sng" dirty="0" smtClean="0"/>
+              <a:t>any two messages</a:t>
+            </a:r>
+            <a:r>
+              <a:rPr lang="en-US" sz="2400" dirty="0" smtClean="0"/>
+              <a:t> with same MAC</a:t>
+            </a:r>
+          </a:p>
+          <a:p>
+            <a:pPr marL="457200" lvl="1" indent="0">
+              <a:buNone/>
+              <a:tabLst>
+                <a:tab pos="1543050" algn="l"/>
+              </a:tabLst>
+            </a:pPr>
+            <a:r>
+              <a:rPr lang="en-US" sz="2400" dirty="0" smtClean="0"/>
+              <a:t>Attack: 	Generate random values, </a:t>
+            </a:r>
+            <a:br>
+              <a:rPr lang="en-US" sz="2400" dirty="0" smtClean="0"/>
+            </a:br>
+            <a:r>
+              <a:rPr lang="en-US" sz="2400" dirty="0" smtClean="0"/>
+              <a:t>	look for  coincidence.</a:t>
+            </a:r>
+          </a:p>
+          <a:p>
+            <a:pPr marL="914400" lvl="1" indent="-457200">
+              <a:spcBef>
+                <a:spcPts val="0"/>
+              </a:spcBef>
+              <a:buNone/>
+            </a:pPr>
+            <a:r>
+              <a:rPr lang="en-US" sz="2400" dirty="0" smtClean="0"/>
+              <a:t>Requires O(2</a:t>
+            </a:r>
+            <a:r>
+              <a:rPr lang="en-US" sz="2400" baseline="30000" dirty="0" smtClean="0"/>
+              <a:t>|k|/2</a:t>
+            </a:r>
+            <a:r>
+              <a:rPr lang="en-US" sz="2400" dirty="0" smtClean="0"/>
+              <a:t>) time, O(2</a:t>
+            </a:r>
+            <a:r>
+              <a:rPr lang="en-US" sz="2400" baseline="30000" dirty="0" smtClean="0"/>
+              <a:t>|k|/2</a:t>
+            </a:r>
+            <a:r>
+              <a:rPr lang="en-US" sz="2400" dirty="0" smtClean="0"/>
+              <a:t>) space.</a:t>
+            </a:r>
+          </a:p>
+          <a:p>
+            <a:pPr marL="914400" lvl="1" indent="-457200">
+              <a:spcBef>
+                <a:spcPts val="0"/>
+              </a:spcBef>
+              <a:buNone/>
+            </a:pPr>
+            <a:r>
+              <a:rPr lang="en-US" sz="2400" dirty="0" smtClean="0"/>
+              <a:t>For 128-bit output, takes 2</a:t>
+            </a:r>
+            <a:r>
+              <a:rPr lang="en-US" sz="2400" baseline="30000" dirty="0" smtClean="0"/>
+              <a:t>64</a:t>
+            </a:r>
+            <a:r>
+              <a:rPr lang="en-US" sz="2400" dirty="0" smtClean="0"/>
+              <a:t> steps: doable!</a:t>
+            </a:r>
+          </a:p>
+          <a:p>
+            <a:pPr marL="914400" lvl="1" indent="-457200">
+              <a:spcBef>
+                <a:spcPts val="0"/>
+              </a:spcBef>
+              <a:buNone/>
+            </a:pPr>
+            <a:r>
+              <a:rPr lang="en-US" sz="2400" dirty="0" smtClean="0">
                 <a:solidFill>
-                  <a:schemeClr val="accent1"/>
+                  <a:schemeClr val="accent5"/>
                 </a:solidFill>
               </a:rPr>
-              <a:t>e</a:t>
-            </a:r>
-            <a:r>
-              <a:rPr lang="en-US" sz="2600" dirty="0" err="1" smtClean="0">
-                <a:solidFill>
-                  <a:schemeClr val="accent1"/>
-                </a:solidFill>
-              </a:rPr>
-              <a:t>,</a:t>
-            </a:r>
-            <a:r>
-              <a:rPr lang="en-US" sz="2600" b="1" dirty="0" err="1" smtClean="0">
-                <a:solidFill>
-                  <a:schemeClr val="accent1"/>
-                </a:solidFill>
-              </a:rPr>
-              <a:t>N</a:t>
-            </a:r>
-            <a:r>
-              <a:rPr lang="en-US" sz="2600" dirty="0" smtClean="0">
-                <a:solidFill>
-                  <a:schemeClr val="accent1"/>
-                </a:solidFill>
-              </a:rPr>
-              <a:t>)</a:t>
-            </a:r>
-            <a:r>
-              <a:rPr lang="en-US" sz="2600" dirty="0" smtClean="0"/>
-              <a:t/>
+              <a:t>[Puzzle: Do it in constant space?]</a:t>
+            </a:r>
+          </a:p>
+          <a:p>
+            <a:pPr marL="285750" lvl="1">
+              <a:spcBef>
+                <a:spcPts val="1200"/>
+              </a:spcBef>
+              <a:buNone/>
+            </a:pPr>
+            <a:r>
+              <a:rPr lang="en-US" dirty="0" smtClean="0"/>
+              <a:t>Upshot: Want output of MACs/PRFs </a:t>
             </a:r>
             <a:br>
-              <a:rPr lang="en-US" sz="2600" dirty="0" smtClean="0"/>
+              <a:rPr lang="en-US" dirty="0" smtClean="0"/>
             </a:br>
             <a:r>
-              <a:rPr lang="en-US" sz="2600" dirty="0" smtClean="0"/>
-              <a:t> 	</a:t>
-            </a:r>
-            <a:r>
-              <a:rPr lang="en-US" sz="2600" b="1" dirty="0" smtClean="0"/>
-              <a:t>Private key</a:t>
-            </a:r>
-            <a:r>
-              <a:rPr lang="en-US" sz="2600" dirty="0" smtClean="0"/>
-              <a:t>	is  </a:t>
-            </a:r>
-            <a:r>
-              <a:rPr lang="en-US" sz="2600" dirty="0" smtClean="0">
-                <a:solidFill>
-                  <a:schemeClr val="accent1"/>
-                </a:solidFill>
-              </a:rPr>
-              <a:t>(</a:t>
-            </a:r>
-            <a:r>
-              <a:rPr lang="en-US" sz="2600" b="1" dirty="0" err="1" smtClean="0">
-                <a:solidFill>
-                  <a:schemeClr val="accent1"/>
-                </a:solidFill>
-              </a:rPr>
-              <a:t>d</a:t>
-            </a:r>
-            <a:r>
-              <a:rPr lang="en-US" sz="2600" dirty="0" err="1" smtClean="0">
-                <a:solidFill>
-                  <a:schemeClr val="accent1"/>
-                </a:solidFill>
-              </a:rPr>
-              <a:t>,</a:t>
-            </a:r>
-            <a:r>
-              <a:rPr lang="en-US" sz="2600" b="1" dirty="0" err="1" smtClean="0">
-                <a:solidFill>
-                  <a:schemeClr val="accent1"/>
-                </a:solidFill>
-              </a:rPr>
-              <a:t>N</a:t>
-            </a:r>
-            <a:r>
-              <a:rPr lang="en-US" sz="2600" dirty="0" smtClean="0">
-                <a:solidFill>
-                  <a:schemeClr val="accent1"/>
-                </a:solidFill>
-              </a:rPr>
-              <a:t>)</a:t>
-            </a:r>
-          </a:p>
-          <a:p>
-            <a:pPr>
-              <a:tabLst>
-                <a:tab pos="2000250" algn="l"/>
-                <a:tab pos="2682875" algn="l"/>
-              </a:tabLst>
-            </a:pPr>
-            <a:r>
-              <a:rPr lang="en-US" sz="2800" b="1" dirty="0" smtClean="0"/>
-              <a:t>To encrypt:</a:t>
-            </a:r>
-            <a:r>
-              <a:rPr lang="en-US" sz="2800" dirty="0" smtClean="0"/>
-              <a:t> 	</a:t>
-            </a:r>
-            <a:r>
-              <a:rPr lang="en-US" sz="2800" b="1" i="1" dirty="0" smtClean="0"/>
-              <a:t>E</a:t>
-            </a:r>
-            <a:r>
-              <a:rPr lang="en-US" sz="2800" dirty="0" smtClean="0"/>
-              <a:t>(</a:t>
-            </a:r>
-            <a:r>
-              <a:rPr lang="en-US" sz="2800" b="1" dirty="0" smtClean="0"/>
-              <a:t>x</a:t>
-            </a:r>
-            <a:r>
-              <a:rPr lang="en-US" sz="2800" dirty="0" smtClean="0"/>
-              <a:t>)	= </a:t>
-            </a:r>
-            <a:r>
-              <a:rPr lang="en-US" sz="2800" b="1" dirty="0" err="1" smtClean="0"/>
-              <a:t>x</a:t>
-            </a:r>
-            <a:r>
-              <a:rPr lang="en-US" sz="2800" b="1" baseline="30000" dirty="0" err="1" smtClean="0"/>
-              <a:t>e</a:t>
-            </a:r>
-            <a:r>
-              <a:rPr lang="en-US" sz="2800" dirty="0" smtClean="0"/>
-              <a:t> mod </a:t>
-            </a:r>
-            <a:r>
-              <a:rPr lang="en-US" sz="2800" b="1" dirty="0" smtClean="0"/>
-              <a:t>N</a:t>
-            </a:r>
-            <a:r>
-              <a:rPr lang="en-US" sz="2800" dirty="0" smtClean="0"/>
-              <a:t/>
+              <a:rPr lang="en-US" dirty="0" smtClean="0"/>
+              <a:t>to be twice as big as cipher keys </a:t>
             </a:r>
             <a:br>
-              <a:rPr lang="en-US" sz="2800" dirty="0" smtClean="0"/>
+              <a:rPr lang="en-US" dirty="0" smtClean="0"/>
             </a:br>
             <a:r>
-              <a:rPr lang="en-US" sz="2800" b="1" dirty="0" smtClean="0"/>
-              <a:t>To decrypt:</a:t>
-            </a:r>
-            <a:r>
-              <a:rPr lang="en-US" sz="2800" dirty="0" smtClean="0"/>
-              <a:t> 	</a:t>
-            </a:r>
-            <a:r>
-              <a:rPr lang="en-US" sz="2800" b="1" i="1" dirty="0" smtClean="0"/>
-              <a:t>D</a:t>
-            </a:r>
-            <a:r>
-              <a:rPr lang="en-US" sz="2800" dirty="0" smtClean="0"/>
-              <a:t>(</a:t>
-            </a:r>
-            <a:r>
-              <a:rPr lang="en-US" sz="2800" b="1" dirty="0" smtClean="0"/>
-              <a:t>x</a:t>
-            </a:r>
-            <a:r>
-              <a:rPr lang="en-US" sz="2800" dirty="0" smtClean="0"/>
-              <a:t>)	= </a:t>
-            </a:r>
-            <a:r>
-              <a:rPr lang="en-US" sz="2800" b="1" dirty="0" err="1" smtClean="0"/>
-              <a:t>x</a:t>
-            </a:r>
-            <a:r>
-              <a:rPr lang="en-US" sz="2800" b="1" baseline="30000" dirty="0" err="1" smtClean="0"/>
-              <a:t>d</a:t>
-            </a:r>
-            <a:r>
-              <a:rPr lang="en-US" sz="2800" dirty="0" smtClean="0"/>
-              <a:t> mod </a:t>
-            </a:r>
-            <a:r>
-              <a:rPr lang="en-US" sz="2800" b="1" dirty="0" smtClean="0"/>
-              <a:t>N</a:t>
+              <a:rPr lang="en-US" sz="2400" dirty="0" smtClean="0"/>
+              <a:t>e.g. use HMAC-SHA256 along side AES-128</a:t>
             </a:r>
           </a:p>
         </p:txBody>
@@ -25291,7 +25594,7 @@
     </p:spTree>
     <p:extLst>
       <p:ext uri="{BB962C8B-B14F-4D97-AF65-F5344CB8AC3E}">
-        <p14:creationId xmlns:p14="http://schemas.microsoft.com/office/powerpoint/2010/main" val="3023362499"/>
+        <p14:creationId xmlns:p14="http://schemas.microsoft.com/office/powerpoint/2010/main" val="3499490102"/>
       </p:ext>
     </p:extLst>
   </p:cSld>
@@ -25343,21 +25646,17 @@
             <p:ph idx="1"/>
           </p:nvPr>
         </p:nvSpPr>
-        <p:spPr>
-          <a:xfrm>
-            <a:off x="457200" y="214315"/>
-            <a:ext cx="8229600" cy="4629149"/>
-          </a:xfrm>
-        </p:spPr>
+        <p:spPr/>
         <p:txBody>
           <a:bodyPr>
-            <a:normAutofit fontScale="70000" lnSpcReduction="20000"/>
+            <a:normAutofit fontScale="77500" lnSpcReduction="20000"/>
           </a:bodyPr>
           <a:lstStyle/>
           <a:p>
-            <a:r>
-              <a:rPr lang="en-US" sz="3000" b="1" dirty="0" smtClean="0"/>
-              <a:t>Issue:  How big should keys be?</a:t>
+            <a:pPr algn="ctr"/>
+            <a:r>
+              <a:rPr lang="en-US" sz="5100" b="1" dirty="0" smtClean="0"/>
+              <a:t>Is RSA Secure?</a:t>
             </a:r>
           </a:p>
           <a:p>
@@ -25368,174 +25667,152 @@
               <a:buNone/>
             </a:pPr>
             <a:r>
-              <a:rPr lang="en-US" sz="2400" dirty="0" smtClean="0"/>
-              <a:t>Want prob. of guessing to be infinitesimal… but watch out for Moore’s law – safe size gets </a:t>
-            </a:r>
-            <a:br>
-              <a:rPr lang="en-US" sz="2400" dirty="0" smtClean="0"/>
-            </a:br>
-            <a:r>
-              <a:rPr lang="en-US" sz="2400" dirty="0" smtClean="0"/>
-              <a:t>1 bit larger every 18 months</a:t>
-            </a:r>
-          </a:p>
-          <a:p>
-            <a:pPr marL="285750" lvl="1">
-              <a:buNone/>
+              <a:rPr lang="en-US" u="sng" dirty="0" smtClean="0"/>
+              <a:t>Best known</a:t>
+            </a:r>
+            <a:r>
+              <a:rPr lang="en-US" dirty="0" smtClean="0"/>
+              <a:t> way to compute </a:t>
+            </a:r>
+            <a:r>
+              <a:rPr lang="en-US" b="1" dirty="0" smtClean="0"/>
+              <a:t>d</a:t>
+            </a:r>
+            <a:r>
+              <a:rPr lang="en-US" dirty="0" smtClean="0"/>
+              <a:t> from </a:t>
+            </a:r>
+            <a:r>
+              <a:rPr lang="en-US" b="1" dirty="0" smtClean="0"/>
+              <a:t>e</a:t>
+            </a:r>
+            <a:r>
+              <a:rPr lang="en-US" dirty="0" smtClean="0"/>
+              <a:t>  is factoring </a:t>
+            </a:r>
+            <a:r>
+              <a:rPr lang="en-US" b="1" dirty="0" smtClean="0"/>
+              <a:t>N</a:t>
+            </a:r>
+            <a:r>
+              <a:rPr lang="en-US" dirty="0" smtClean="0"/>
+              <a:t> into </a:t>
+            </a:r>
+            <a:r>
+              <a:rPr lang="en-US" b="1" dirty="0" smtClean="0"/>
+              <a:t>p</a:t>
+            </a:r>
+            <a:r>
+              <a:rPr lang="en-US" dirty="0" smtClean="0"/>
+              <a:t> and </a:t>
+            </a:r>
+            <a:r>
+              <a:rPr lang="en-US" b="1" dirty="0" smtClean="0"/>
+              <a:t>q</a:t>
+            </a:r>
+            <a:r>
+              <a:rPr lang="en-US" dirty="0" smtClean="0"/>
+              <a:t>.</a:t>
+            </a:r>
+          </a:p>
+          <a:p>
+            <a:pPr marL="457200" lvl="1" indent="-457200">
+              <a:spcBef>
+                <a:spcPts val="1200"/>
+              </a:spcBef>
             </a:pPr>
             <a:r>
-              <a:rPr lang="en-US" sz="2400" dirty="0" smtClean="0"/>
-              <a:t>128 bits usually safe for ciphers/PRGs</a:t>
-            </a:r>
-          </a:p>
-          <a:p>
-            <a:r>
-              <a:rPr lang="en-US" sz="3000" dirty="0" smtClean="0"/>
-              <a:t>Need larger values for MACs/PRFs </a:t>
-            </a:r>
-            <a:br>
-              <a:rPr lang="en-US" sz="3000" dirty="0" smtClean="0"/>
-            </a:br>
-            <a:r>
-              <a:rPr lang="en-US" sz="3000" dirty="0" smtClean="0"/>
-              <a:t>due to </a:t>
-            </a:r>
-            <a:r>
-              <a:rPr lang="en-US" sz="3000" b="1" dirty="0" smtClean="0">
+              <a:rPr lang="en-US" u="sng" dirty="0" smtClean="0"/>
+              <a:t>Best known</a:t>
+            </a:r>
+            <a:r>
+              <a:rPr lang="en-US" i="1" dirty="0" smtClean="0"/>
+              <a:t> </a:t>
+            </a:r>
+            <a:r>
+              <a:rPr lang="en-US" dirty="0" smtClean="0"/>
+              <a:t>factoring algorithm: </a:t>
+            </a:r>
+            <a:r>
+              <a:rPr lang="en-US" b="1" dirty="0" smtClean="0">
                 <a:solidFill>
                   <a:schemeClr val="accent1"/>
                 </a:solidFill>
               </a:rPr>
-              <a:t>birthday attack</a:t>
-            </a:r>
-          </a:p>
-          <a:p>
-            <a:pPr lvl="1">
-              <a:buNone/>
+              <a:t>General number field sieve</a:t>
+            </a:r>
+            <a:endParaRPr lang="en-US" b="1" dirty="0"/>
+          </a:p>
+          <a:p>
+            <a:pPr marL="457200" lvl="1" indent="-457200">
+              <a:spcBef>
+                <a:spcPts val="1200"/>
+              </a:spcBef>
             </a:pPr>
             <a:r>
-              <a:rPr lang="en-US" sz="2400" dirty="0" smtClean="0"/>
-              <a:t>Often trouble if adversary can find </a:t>
+              <a:rPr lang="en-US" dirty="0" smtClean="0"/>
+              <a:t>Takes more than polynomial time but less than exponential time</a:t>
             </a:r>
             <a:br>
-              <a:rPr lang="en-US" sz="2400" dirty="0" smtClean="0"/>
+              <a:rPr lang="en-US" dirty="0" smtClean="0"/>
             </a:br>
             <a:r>
-              <a:rPr lang="en-US" sz="2400" u="sng" dirty="0" smtClean="0"/>
-              <a:t>any two messages</a:t>
-            </a:r>
-            <a:r>
-              <a:rPr lang="en-US" sz="2400" dirty="0" smtClean="0"/>
-              <a:t> with same MAC</a:t>
-            </a:r>
-          </a:p>
-          <a:p>
-            <a:pPr marL="457200" lvl="1" indent="0">
-              <a:buNone/>
-              <a:tabLst>
-                <a:tab pos="1543050" algn="l"/>
-              </a:tabLst>
+              <a:rPr lang="en-US" dirty="0" smtClean="0"/>
+              <a:t>to factor </a:t>
+            </a:r>
+            <a:r>
+              <a:rPr lang="en-US" b="1" dirty="0" smtClean="0"/>
+              <a:t>n</a:t>
+            </a:r>
+            <a:r>
+              <a:rPr lang="en-US" dirty="0" smtClean="0"/>
+              <a:t>-bit number.</a:t>
+            </a:r>
+          </a:p>
+          <a:p>
+            <a:pPr marL="857250" lvl="2" indent="-457200">
+              <a:spcBef>
+                <a:spcPts val="1200"/>
+              </a:spcBef>
             </a:pPr>
             <a:r>
-              <a:rPr lang="en-US" sz="2400" dirty="0" smtClean="0"/>
-              <a:t>Attack: 	Generate random values, </a:t>
-            </a:r>
-            <a:br>
-              <a:rPr lang="en-US" sz="2400" dirty="0" smtClean="0"/>
-            </a:br>
-            <a:r>
-              <a:rPr lang="en-US" sz="2400" dirty="0" smtClean="0"/>
-              <a:t>	look for  coincidence.</a:t>
-            </a:r>
-          </a:p>
-          <a:p>
-            <a:pPr marL="914400" lvl="1" indent="-457200">
+              <a:rPr lang="en-US" dirty="0" smtClean="0"/>
+              <a:t>(Still takes way too long if </a:t>
+            </a:r>
+            <a:r>
+              <a:rPr lang="en-US" b="1" dirty="0" err="1" smtClean="0"/>
+              <a:t>p</a:t>
+            </a:r>
+            <a:r>
+              <a:rPr lang="en-US" dirty="0" err="1" smtClean="0"/>
+              <a:t>,</a:t>
+            </a:r>
+            <a:r>
+              <a:rPr lang="en-US" b="1" dirty="0" err="1" smtClean="0"/>
+              <a:t>q</a:t>
+            </a:r>
+            <a:r>
+              <a:rPr lang="en-US" dirty="0" smtClean="0"/>
+              <a:t> are large enough and random.)</a:t>
+            </a:r>
+          </a:p>
+          <a:p>
+            <a:pPr marL="285750" lvl="1">
               <a:spcBef>
-                <a:spcPts val="0"/>
+                <a:spcPts val="3000"/>
               </a:spcBef>
               <a:buNone/>
             </a:pPr>
             <a:r>
-              <a:rPr lang="en-US" sz="2400" dirty="0" smtClean="0"/>
-              <a:t>Requires O(2</a:t>
-            </a:r>
-            <a:r>
-              <a:rPr lang="en-US" sz="2400" baseline="30000" dirty="0" smtClean="0"/>
-              <a:t>|k|/2</a:t>
-            </a:r>
-            <a:r>
-              <a:rPr lang="en-US" sz="2400" dirty="0" smtClean="0"/>
-              <a:t>) time, O(2</a:t>
-            </a:r>
-            <a:r>
-              <a:rPr lang="en-US" sz="2400" baseline="30000" dirty="0" smtClean="0"/>
-              <a:t>|k|/2</a:t>
-            </a:r>
-            <a:r>
-              <a:rPr lang="en-US" sz="2400" dirty="0" smtClean="0"/>
-              <a:t>) space.</a:t>
-            </a:r>
-          </a:p>
-          <a:p>
-            <a:pPr marL="914400" lvl="1" indent="-457200">
-              <a:spcBef>
-                <a:spcPts val="0"/>
-              </a:spcBef>
-              <a:buNone/>
-            </a:pPr>
-            <a:r>
-              <a:rPr lang="en-US" sz="2400" dirty="0" smtClean="0"/>
-              <a:t>For 128-bit output, takes 2</a:t>
-            </a:r>
-            <a:r>
-              <a:rPr lang="en-US" sz="2400" baseline="30000" dirty="0" smtClean="0"/>
-              <a:t>64</a:t>
-            </a:r>
-            <a:r>
-              <a:rPr lang="en-US" sz="2400" dirty="0" smtClean="0"/>
-              <a:t> steps: doable!</a:t>
-            </a:r>
-          </a:p>
-          <a:p>
-            <a:pPr marL="914400" lvl="1" indent="-457200">
-              <a:spcBef>
-                <a:spcPts val="0"/>
-              </a:spcBef>
-              <a:buNone/>
-            </a:pPr>
-            <a:r>
-              <a:rPr lang="en-US" sz="2400" dirty="0" smtClean="0">
-                <a:solidFill>
-                  <a:schemeClr val="accent5"/>
-                </a:solidFill>
-              </a:rPr>
-              <a:t>[Puzzle: Do it in constant space?]</a:t>
-            </a:r>
-          </a:p>
-          <a:p>
-            <a:pPr marL="285750" lvl="1">
-              <a:spcBef>
-                <a:spcPts val="1200"/>
-              </a:spcBef>
-              <a:buNone/>
-            </a:pPr>
-            <a:r>
-              <a:rPr lang="en-US" dirty="0" smtClean="0"/>
-              <a:t>Upshot: Want output of MACs/PRFs </a:t>
+              <a:rPr lang="en-US" dirty="0" smtClean="0"/>
+              <a:t>Fingers crossed…</a:t>
             </a:r>
             <a:br>
               <a:rPr lang="en-US" dirty="0" smtClean="0"/>
             </a:br>
             <a:r>
               <a:rPr lang="en-US" dirty="0" smtClean="0"/>
-              <a:t>to be twice as big as cipher keys </a:t>
-            </a:r>
-            <a:br>
-              <a:rPr lang="en-US" dirty="0" smtClean="0"/>
-            </a:br>
-            <a:r>
-              <a:rPr lang="en-US" sz="2400" dirty="0" smtClean="0"/>
-              <a:t>e.g. use HMAC-SHA256 along side AES-128</a:t>
+              <a:t>	but can’t rule out a breakthrough!</a:t>
             </a:r>
           </a:p>
         </p:txBody>
@@ -25543,7 +25820,7 @@
     </p:spTree>
     <p:extLst>
       <p:ext uri="{BB962C8B-B14F-4D97-AF65-F5344CB8AC3E}">
-        <p14:creationId xmlns:p14="http://schemas.microsoft.com/office/powerpoint/2010/main" val="3499490102"/>
+        <p14:creationId xmlns:p14="http://schemas.microsoft.com/office/powerpoint/2010/main" val="4278832642"/>
       </p:ext>
     </p:extLst>
   </p:cSld>
@@ -25597,232 +25874,6 @@
         </p:nvSpPr>
         <p:spPr/>
         <p:txBody>
-          <a:bodyPr>
-            <a:normAutofit fontScale="77500" lnSpcReduction="20000"/>
-          </a:bodyPr>
-          <a:lstStyle/>
-          <a:p>
-            <a:pPr algn="ctr"/>
-            <a:r>
-              <a:rPr lang="en-US" sz="5100" b="1" dirty="0" smtClean="0"/>
-              <a:t>Is RSA Secure?</a:t>
-            </a:r>
-          </a:p>
-          <a:p>
-            <a:pPr marL="285750" lvl="1">
-              <a:spcBef>
-                <a:spcPts val="1200"/>
-              </a:spcBef>
-              <a:buNone/>
-            </a:pPr>
-            <a:r>
-              <a:rPr lang="en-US" u="sng" dirty="0" smtClean="0"/>
-              <a:t>Best known</a:t>
-            </a:r>
-            <a:r>
-              <a:rPr lang="en-US" dirty="0" smtClean="0"/>
-              <a:t> way to compute </a:t>
-            </a:r>
-            <a:r>
-              <a:rPr lang="en-US" b="1" dirty="0" smtClean="0"/>
-              <a:t>d</a:t>
-            </a:r>
-            <a:r>
-              <a:rPr lang="en-US" dirty="0" smtClean="0"/>
-              <a:t> from </a:t>
-            </a:r>
-            <a:r>
-              <a:rPr lang="en-US" b="1" dirty="0" smtClean="0"/>
-              <a:t>e</a:t>
-            </a:r>
-            <a:r>
-              <a:rPr lang="en-US" dirty="0" smtClean="0"/>
-              <a:t>  is factoring </a:t>
-            </a:r>
-            <a:r>
-              <a:rPr lang="en-US" b="1" dirty="0" smtClean="0"/>
-              <a:t>N</a:t>
-            </a:r>
-            <a:r>
-              <a:rPr lang="en-US" dirty="0" smtClean="0"/>
-              <a:t> into </a:t>
-            </a:r>
-            <a:r>
-              <a:rPr lang="en-US" b="1" dirty="0" smtClean="0"/>
-              <a:t>p</a:t>
-            </a:r>
-            <a:r>
-              <a:rPr lang="en-US" dirty="0" smtClean="0"/>
-              <a:t> and </a:t>
-            </a:r>
-            <a:r>
-              <a:rPr lang="en-US" b="1" dirty="0" smtClean="0"/>
-              <a:t>q</a:t>
-            </a:r>
-            <a:r>
-              <a:rPr lang="en-US" dirty="0" smtClean="0"/>
-              <a:t>.</a:t>
-            </a:r>
-          </a:p>
-          <a:p>
-            <a:pPr marL="457200" lvl="1" indent="-457200">
-              <a:spcBef>
-                <a:spcPts val="1200"/>
-              </a:spcBef>
-            </a:pPr>
-            <a:r>
-              <a:rPr lang="en-US" u="sng" dirty="0" smtClean="0"/>
-              <a:t>Best known</a:t>
-            </a:r>
-            <a:r>
-              <a:rPr lang="en-US" i="1" dirty="0" smtClean="0"/>
-              <a:t> </a:t>
-            </a:r>
-            <a:r>
-              <a:rPr lang="en-US" dirty="0" smtClean="0"/>
-              <a:t>factoring algorithm: </a:t>
-            </a:r>
-            <a:r>
-              <a:rPr lang="en-US" b="1" dirty="0" smtClean="0">
-                <a:solidFill>
-                  <a:schemeClr val="accent1"/>
-                </a:solidFill>
-              </a:rPr>
-              <a:t>General number field sieve</a:t>
-            </a:r>
-            <a:endParaRPr lang="en-US" b="1" dirty="0"/>
-          </a:p>
-          <a:p>
-            <a:pPr marL="457200" lvl="1" indent="-457200">
-              <a:spcBef>
-                <a:spcPts val="1200"/>
-              </a:spcBef>
-            </a:pPr>
-            <a:r>
-              <a:rPr lang="en-US" dirty="0" smtClean="0"/>
-              <a:t>Takes more than polynomial time but less than exponential time</a:t>
-            </a:r>
-            <a:br>
-              <a:rPr lang="en-US" dirty="0" smtClean="0"/>
-            </a:br>
-            <a:r>
-              <a:rPr lang="en-US" dirty="0" smtClean="0"/>
-              <a:t>to factor </a:t>
-            </a:r>
-            <a:r>
-              <a:rPr lang="en-US" b="1" dirty="0" smtClean="0"/>
-              <a:t>n</a:t>
-            </a:r>
-            <a:r>
-              <a:rPr lang="en-US" dirty="0" smtClean="0"/>
-              <a:t>-bit number.</a:t>
-            </a:r>
-          </a:p>
-          <a:p>
-            <a:pPr marL="857250" lvl="2" indent="-457200">
-              <a:spcBef>
-                <a:spcPts val="1200"/>
-              </a:spcBef>
-            </a:pPr>
-            <a:r>
-              <a:rPr lang="en-US" dirty="0" smtClean="0"/>
-              <a:t>(Still takes way too long if </a:t>
-            </a:r>
-            <a:r>
-              <a:rPr lang="en-US" b="1" dirty="0" err="1" smtClean="0"/>
-              <a:t>p</a:t>
-            </a:r>
-            <a:r>
-              <a:rPr lang="en-US" dirty="0" err="1" smtClean="0"/>
-              <a:t>,</a:t>
-            </a:r>
-            <a:r>
-              <a:rPr lang="en-US" b="1" dirty="0" err="1" smtClean="0"/>
-              <a:t>q</a:t>
-            </a:r>
-            <a:r>
-              <a:rPr lang="en-US" dirty="0" smtClean="0"/>
-              <a:t> are large enough and random.)</a:t>
-            </a:r>
-          </a:p>
-          <a:p>
-            <a:pPr marL="285750" lvl="1">
-              <a:spcBef>
-                <a:spcPts val="3000"/>
-              </a:spcBef>
-              <a:buNone/>
-            </a:pPr>
-            <a:r>
-              <a:rPr lang="en-US" dirty="0" smtClean="0"/>
-              <a:t>Fingers crossed…</a:t>
-            </a:r>
-            <a:br>
-              <a:rPr lang="en-US" dirty="0" smtClean="0"/>
-            </a:br>
-            <a:r>
-              <a:rPr lang="en-US" dirty="0" smtClean="0"/>
-              <a:t>	but can’t rule out a breakthrough!</a:t>
-            </a:r>
-          </a:p>
-        </p:txBody>
-      </p:sp>
-    </p:spTree>
-    <p:extLst>
-      <p:ext uri="{BB962C8B-B14F-4D97-AF65-F5344CB8AC3E}">
-        <p14:creationId xmlns:p14="http://schemas.microsoft.com/office/powerpoint/2010/main" val="4278832642"/>
-      </p:ext>
-    </p:extLst>
-  </p:cSld>
-  <p:clrMapOvr>
-    <a:masterClrMapping/>
-  </p:clrMapOvr>
-  <mc:AlternateContent xmlns:mc="http://schemas.openxmlformats.org/markup-compatibility/2006">
-    <mc:Choice xmlns:p14="http://schemas.microsoft.com/office/powerpoint/2010/main" Requires="p14">
-      <p:transition spd="slow" p14:dur="2000"/>
-    </mc:Choice>
-    <mc:Fallback>
-      <p:transition xmlns:p14="http://schemas.microsoft.com/office/powerpoint/2010/main" spd="slow"/>
-    </mc:Fallback>
-  </mc:AlternateContent>
-  <p:timing>
-    <p:tnLst>
-      <p:par>
-        <p:cTn xmlns:p14="http://schemas.microsoft.com/office/powerpoint/2010/main" id="1" dur="indefinite" restart="never" nodeType="tmRoot"/>
-      </p:par>
-    </p:tnLst>
-  </p:timing>
-</p:sld>
-</file>
-
-<file path=ppt/slides/slide53.xml><?xml version="1.0" encoding="utf-8"?>
-<p:sld xmlns:a="http://schemas.openxmlformats.org/drawingml/2006/main" xmlns:r="http://schemas.openxmlformats.org/officeDocument/2006/relationships" xmlns:p="http://schemas.openxmlformats.org/presentationml/2006/main" show="0">
-  <p:cSld>
-    <p:spTree>
-      <p:nvGrpSpPr>
-        <p:cNvPr id="1" name=""/>
-        <p:cNvGrpSpPr/>
-        <p:nvPr/>
-      </p:nvGrpSpPr>
-      <p:grpSpPr>
-        <a:xfrm>
-          <a:off x="0" y="0"/>
-          <a:ext cx="0" cy="0"/>
-          <a:chOff x="0" y="0"/>
-          <a:chExt cx="0" cy="0"/>
-        </a:xfrm>
-      </p:grpSpPr>
-      <p:sp>
-        <p:nvSpPr>
-          <p:cNvPr id="2" name="Content Placeholder 1"/>
-          <p:cNvSpPr>
-            <a:spLocks noGrp="1"/>
-          </p:cNvSpPr>
-          <p:nvPr>
-            <p:ph idx="1"/>
-          </p:nvPr>
-        </p:nvSpPr>
-        <p:spPr/>
-        <p:txBody>
           <a:bodyPr/>
           <a:lstStyle/>
           <a:p>
@@ -25860,7 +25911,7 @@
 </p:sld>
 </file>
 
-<file path=ppt/slides/slide54.xml><?xml version="1.0" encoding="utf-8"?>
+<file path=ppt/slides/slide53.xml><?xml version="1.0" encoding="utf-8"?>
 <p:sld xmlns:a="http://schemas.openxmlformats.org/drawingml/2006/main" xmlns:r="http://schemas.openxmlformats.org/officeDocument/2006/relationships" xmlns:p="http://schemas.openxmlformats.org/presentationml/2006/main" show="0">
   <p:cSld>
     <p:spTree>
@@ -25926,7 +25977,7 @@
 </p:sld>
 </file>
 
-<file path=ppt/slides/slide55.xml><?xml version="1.0" encoding="utf-8"?>
+<file path=ppt/slides/slide54.xml><?xml version="1.0" encoding="utf-8"?>
 <p:sld xmlns:a="http://schemas.openxmlformats.org/drawingml/2006/main" xmlns:r="http://schemas.openxmlformats.org/officeDocument/2006/relationships" xmlns:p="http://schemas.openxmlformats.org/presentationml/2006/main" show="0">
   <p:cSld>
     <p:spTree>
